--- a/MDSite/MDSite/wwwroot/docs/curso/01-Introducción a la lógica.pptx
+++ b/MDSite/MDSite/wwwroot/docs/curso/01-Introducción a la lógica.pptx
@@ -5,17 +5,17 @@
     <p:sldMasterId id="2147483648" r:id="rId1"/>
   </p:sldMasterIdLst>
   <p:notesMasterIdLst>
-    <p:notesMasterId r:id="rId10"/>
+    <p:notesMasterId r:id="rId5"/>
   </p:notesMasterIdLst>
   <p:sldIdLst>
     <p:sldId id="256" r:id="rId3"/>
-    <p:sldId id="261" r:id="rId4"/>
-    <p:sldId id="259" r:id="rId5"/>
-    <p:sldId id="260" r:id="rId6"/>
-    <p:sldId id="257" r:id="rId7"/>
-    <p:sldId id="258" r:id="rId8"/>
-    <p:sldId id="278" r:id="rId9"/>
-    <p:sldId id="262" r:id="rId11"/>
+    <p:sldId id="262" r:id="rId4"/>
+    <p:sldId id="261" r:id="rId6"/>
+    <p:sldId id="259" r:id="rId7"/>
+    <p:sldId id="260" r:id="rId8"/>
+    <p:sldId id="257" r:id="rId9"/>
+    <p:sldId id="258" r:id="rId10"/>
+    <p:sldId id="278" r:id="rId11"/>
     <p:sldId id="263" r:id="rId12"/>
     <p:sldId id="264" r:id="rId13"/>
     <p:sldId id="265" r:id="rId14"/>
@@ -510,7 +510,22 @@
         <p:txBody>
           <a:bodyPr/>
           <a:p>
+            <a:r>
+              <a:rPr lang="es-AR" altLang="en-GB">
+                <a:sym typeface="+mn-ea"/>
+              </a:rPr>
+              <a:t>El pensamiento lógico y orgánico de Pascal lo llevó a construir el antepasado remoto de las computadoras, la primera calculadora.</a:t>
+            </a:r>
             <a:endParaRPr lang="es-AR" altLang="en-GB"/>
+          </a:p>
+          <a:p>
+            <a:r>
+              <a:rPr lang="es-AR" altLang="en-GB">
+                <a:sym typeface="+mn-ea"/>
+              </a:rPr>
+              <a:t>Lo hizo por un motivo, ayudar a su padre en su trabajo. Todo lo que se programe en base al sistema de verdad (logica) debe tener un sentido real. El no tenerlo significa carecer de propósito para que exista.</a:t>
+            </a:r>
+            <a:endParaRPr lang="en-GB" altLang="en-US"/>
           </a:p>
         </p:txBody>
       </p:sp>
@@ -625,7 +640,7 @@
           <a:p>
             <a:r>
               <a:rPr lang="es-AR" altLang="en-GB"/>
-              <a:t>El universo observable está conformado por una red cósmica de 100 mil millones de galaxias aproximadamente y el cerebro humano tiene una una red neuronal con una cantidad similar de neuronas. Cada uno de nosotros alberga dentro de sí una complejidad similar a la del universo visible. Esta complejidad, aunque es realmente inmensa, al ser desarrollada orgánicamente, nos permite ser hasta ahora el organismo po</a:t>
+              <a:t>El universo observable está conformado por una red cósmica de 100 mil millones de galaxias aproximadamente y el cerebro humano tiene una una red neuronal con una cantidad similar de neuronas. Cada uno de nosotros alberga dentro de sí una complejidad similar a la del universo visible. </a:t>
             </a:r>
             <a:endParaRPr lang="es-AR" altLang="en-GB"/>
           </a:p>
@@ -974,22 +989,7 @@
         <p:txBody>
           <a:bodyPr/>
           <a:p>
-            <a:r>
-              <a:rPr lang="es-AR" altLang="en-GB">
-                <a:sym typeface="+mn-ea"/>
-              </a:rPr>
-              <a:t>El pensamiento lógico y orgánico de Pascal lo llevó a construir el antepasado remoto de las computadoras, la primera calculadora.</a:t>
-            </a:r>
             <a:endParaRPr lang="es-AR" altLang="en-GB"/>
-          </a:p>
-          <a:p>
-            <a:r>
-              <a:rPr lang="es-AR" altLang="en-GB">
-                <a:sym typeface="+mn-ea"/>
-              </a:rPr>
-              <a:t>Lo hizo por un motivo, ayudar a su padre en su trabajo. Todo lo que se programe en base al sistema de verdad (logica) debe tener un sentido real. El no tenerlo significa carecer de propósito para que exista.</a:t>
-            </a:r>
-            <a:endParaRPr lang="en-GB" altLang="en-US"/>
           </a:p>
         </p:txBody>
       </p:sp>
@@ -5899,8 +5899,8 @@
         </p:nvSpPr>
         <p:spPr>
           <a:xfrm>
-            <a:off x="354330" y="1586230"/>
-            <a:ext cx="11304270" cy="5348605"/>
+            <a:off x="466725" y="2348865"/>
+            <a:ext cx="11304270" cy="4235450"/>
           </a:xfrm>
         </p:spPr>
         <p:txBody>
@@ -5914,8 +5914,12 @@
               <a:buChar char="•"/>
             </a:pPr>
             <a:r>
+              <a:rPr sz="4800"/>
+              <a:t> </a:t>
+            </a:r>
+            <a:r>
               <a:rPr lang="es-AR" sz="4800"/>
-              <a:t>Aristóteles  define el silogismo  «un discurso (logos) en el cual, establecidas ciertas cosas, resulta necesariamente de ellas, por ser lo que son, otra cosa diferente». El silogismo es una inferencia en la que una conclusión se sigue necesariamente de otras dos proposiciones, las "premisas"</a:t>
+              <a:t>Pascal crea la primera calculadora en base a ruedas y engranajes. Es el antepasado de remoto de las actuales computadoras.</a:t>
             </a:r>
             <a:endParaRPr lang="es-AR" sz="4800"/>
           </a:p>
@@ -6265,12 +6269,12 @@
             </a:pPr>
             <a:r>
               <a:rPr lang="es-AR" sz="4800">
-                <a:hlinkClick r:id="rId1" tooltip="" action="ppaction://hlinkfile"/>
+                <a:hlinkClick r:id="rId1" action="ppaction://hlinkfile"/>
               </a:rPr>
               <a:t>https://www.coursera.org/learn/logic-introduction</a:t>
             </a:r>
             <a:endParaRPr lang="es-AR" sz="4800">
-              <a:hlinkClick r:id="rId1" tooltip="" action="ppaction://hlinkfile"/>
+              <a:hlinkClick r:id="rId1" action="ppaction://hlinkfile"/>
             </a:endParaRPr>
           </a:p>
           <a:p>
@@ -6285,7 +6289,7 @@
             </a:pPr>
             <a:r>
               <a:rPr lang="es-AR" sz="4800">
-                <a:hlinkClick r:id="rId2" tooltip="" action="ppaction://hlinkfile"/>
+                <a:hlinkClick r:id="rId2" action="ppaction://hlinkfile"/>
               </a:rPr>
               <a:t>https://es.wikipedia.org/wiki/Tabla_de_verdad</a:t>
             </a:r>
@@ -6388,8 +6392,8 @@
         </p:nvSpPr>
         <p:spPr>
           <a:xfrm>
-            <a:off x="466725" y="1925320"/>
-            <a:ext cx="11304270" cy="4831715"/>
+            <a:off x="354330" y="1586230"/>
+            <a:ext cx="11304270" cy="5348605"/>
           </a:xfrm>
         </p:spPr>
         <p:txBody>
@@ -6403,38 +6407,10 @@
               <a:buChar char="•"/>
             </a:pPr>
             <a:r>
-              <a:rPr sz="4800"/>
-              <a:t> George Boole public</a:t>
-            </a:r>
-            <a:r>
               <a:rPr lang="es-AR" sz="4800"/>
-              <a:t>a </a:t>
-            </a:r>
-            <a:r>
-              <a:rPr lang="es-AR" sz="4800"/>
-              <a:t>“</a:t>
-            </a:r>
-            <a:r>
-              <a:rPr sz="4800"/>
-              <a:t>Las leyes del pensamiento</a:t>
-            </a:r>
-            <a:r>
-              <a:rPr lang="es-AR" sz="4800"/>
-              <a:t>”</a:t>
-            </a:r>
-            <a:r>
-              <a:rPr sz="4800"/>
-              <a:t>. </a:t>
-            </a:r>
-            <a:r>
-              <a:rPr lang="es-AR" sz="4800"/>
-              <a:t>Ve l</a:t>
-            </a:r>
-            <a:r>
-              <a:rPr sz="4800"/>
-              <a:t>a lógica como un cálculo en el que los valores de verdad se representan mediante el 0 (falsedad) y el 1 (verdad), y a los que se les aplican operaciones matemáticas como la suma y la multiplicación.</a:t>
-            </a:r>
-            <a:endParaRPr sz="4800"/>
+              <a:t>Aristóteles  define el silogismo  «un discurso (logos) en el cual, establecidas ciertas cosas, resulta necesariamente de ellas, por ser lo que son, otra cosa diferente». El silogismo es una inferencia en la que una conclusión se sigue necesariamente de otras dos proposiciones, las "premisas"</a:t>
+            </a:r>
+            <a:endParaRPr lang="es-AR" sz="4800"/>
           </a:p>
         </p:txBody>
       </p:sp>
@@ -6533,7 +6509,7 @@
         </p:nvSpPr>
         <p:spPr>
           <a:xfrm>
-            <a:off x="466725" y="1764665"/>
+            <a:off x="466725" y="1925320"/>
             <a:ext cx="11304270" cy="4831715"/>
           </a:xfrm>
         </p:spPr>
@@ -6549,63 +6525,37 @@
             </a:pPr>
             <a:r>
               <a:rPr sz="4800"/>
-              <a:t> De Morgan publica </a:t>
+              <a:t> George Boole public</a:t>
             </a:r>
             <a:r>
               <a:rPr lang="es-AR" sz="4800"/>
-              <a:t>sus leyes</a:t>
+              <a:t>a </a:t>
+            </a:r>
+            <a:r>
+              <a:rPr lang="es-AR" sz="4800"/>
+              <a:t>“</a:t>
             </a:r>
             <a:r>
               <a:rPr sz="4800"/>
-              <a:t> e intenta generalizar la noción de silogismo.</a:t>
+              <a:t>Las leyes del pensamiento</a:t>
+            </a:r>
+            <a:r>
+              <a:rPr lang="es-AR" sz="4800"/>
+              <a:t>”</a:t>
+            </a:r>
+            <a:r>
+              <a:rPr sz="4800"/>
+              <a:t>. </a:t>
+            </a:r>
+            <a:r>
+              <a:rPr lang="es-AR" sz="4800"/>
+              <a:t>Ve l</a:t>
+            </a:r>
+            <a:r>
+              <a:rPr sz="4800"/>
+              <a:t>a lógica como un cálculo en el que los valores de verdad se representan mediante el 0 (falsedad) y el 1 (verdad), y a los que se les aplican operaciones matemáticas como la suma y la multiplicación.</a:t>
             </a:r>
             <a:endParaRPr sz="4800"/>
-          </a:p>
-          <a:p>
-            <a:pPr marL="342900" indent="-342900">
-              <a:buFont typeface="Arial" panose="020B0604020202020204" pitchFamily="34" charset="0"/>
-              <a:buChar char="•"/>
-            </a:pPr>
-            <a:r>
-              <a:rPr lang="es-AR" sz="4800"/>
-              <a:t>V</a:t>
-            </a:r>
-            <a:r>
-              <a:rPr sz="4800"/>
-              <a:t>enn, </a:t>
-            </a:r>
-            <a:r>
-              <a:rPr lang="es-AR" sz="4800"/>
-              <a:t>publica</a:t>
-            </a:r>
-            <a:r>
-              <a:rPr sz="4800"/>
-              <a:t> </a:t>
-            </a:r>
-            <a:r>
-              <a:rPr lang="es-AR" sz="4800"/>
-              <a:t>sus</a:t>
-            </a:r>
-            <a:r>
-              <a:rPr sz="4800"/>
-              <a:t> famosos diagramas</a:t>
-            </a:r>
-            <a:r>
-              <a:rPr lang="es-AR" sz="4800"/>
-              <a:t>.</a:t>
-            </a:r>
-            <a:endParaRPr lang="es-AR" sz="4800"/>
-          </a:p>
-          <a:p>
-            <a:pPr marL="342900" indent="-342900">
-              <a:buFont typeface="Arial" panose="020B0604020202020204" pitchFamily="34" charset="0"/>
-              <a:buChar char="•"/>
-            </a:pPr>
-            <a:r>
-              <a:rPr lang="es-AR" sz="4800"/>
-              <a:t>Frege ofrece por primera vez un sistema completo de lógica de predicados. También desarrolla la idea de un lenguaje formal y define la noción de prueba.</a:t>
-            </a:r>
-            <a:endParaRPr lang="es-AR" sz="4800"/>
           </a:p>
         </p:txBody>
       </p:sp>
@@ -6704,8 +6654,8 @@
         </p:nvSpPr>
         <p:spPr>
           <a:xfrm>
-            <a:off x="466725" y="2425065"/>
-            <a:ext cx="11304270" cy="4159250"/>
+            <a:off x="466725" y="1764665"/>
+            <a:ext cx="11304270" cy="4831715"/>
           </a:xfrm>
         </p:spPr>
         <p:txBody>
@@ -6720,21 +6670,15 @@
             </a:pPr>
             <a:r>
               <a:rPr sz="4800"/>
-              <a:t>Cuando ustedes digan «sí», que sea sí, y cuando digan «no», que sea no. Todo lo que se dice de más, viene del Maligno.</a:t>
+              <a:t> De Morgan publica </a:t>
             </a:r>
             <a:r>
               <a:rPr lang="es-AR" sz="4800"/>
-              <a:t> </a:t>
-            </a:r>
-            <a:br>
-              <a:rPr lang="es-AR" sz="4800"/>
-            </a:br>
-            <a:br>
-              <a:rPr lang="es-AR" sz="4800"/>
-            </a:br>
-            <a:r>
-              <a:rPr lang="es-AR" sz="4800"/>
-              <a:t>Mt 5, 37</a:t>
+              <a:t>sus leyes</a:t>
+            </a:r>
+            <a:r>
+              <a:rPr sz="4800"/>
+              <a:t> e intenta generalizar la noción de silogismo.</a:t>
             </a:r>
             <a:endParaRPr sz="4800"/>
           </a:p>
@@ -6743,7 +6687,46 @@
               <a:buFont typeface="Arial" panose="020B0604020202020204" pitchFamily="34" charset="0"/>
               <a:buChar char="•"/>
             </a:pPr>
-            <a:endParaRPr lang="en-US" sz="4800"/>
+            <a:r>
+              <a:rPr lang="es-AR" sz="4800"/>
+              <a:t>V</a:t>
+            </a:r>
+            <a:r>
+              <a:rPr sz="4800"/>
+              <a:t>enn, </a:t>
+            </a:r>
+            <a:r>
+              <a:rPr lang="es-AR" sz="4800"/>
+              <a:t>publica</a:t>
+            </a:r>
+            <a:r>
+              <a:rPr sz="4800"/>
+              <a:t> </a:t>
+            </a:r>
+            <a:r>
+              <a:rPr lang="es-AR" sz="4800"/>
+              <a:t>sus</a:t>
+            </a:r>
+            <a:r>
+              <a:rPr sz="4800"/>
+              <a:t> famosos diagramas</a:t>
+            </a:r>
+            <a:r>
+              <a:rPr lang="es-AR" sz="4800"/>
+              <a:t>.</a:t>
+            </a:r>
+            <a:endParaRPr lang="es-AR" sz="4800"/>
+          </a:p>
+          <a:p>
+            <a:pPr marL="342900" indent="-342900">
+              <a:buFont typeface="Arial" panose="020B0604020202020204" pitchFamily="34" charset="0"/>
+              <a:buChar char="•"/>
+            </a:pPr>
+            <a:r>
+              <a:rPr lang="es-AR" sz="4800"/>
+              <a:t>Frege ofrece por primera vez un sistema completo de lógica de predicados. También desarrolla la idea de un lenguaje formal y define la noción de prueba.</a:t>
+            </a:r>
+            <a:endParaRPr lang="es-AR" sz="4800"/>
           </a:p>
         </p:txBody>
       </p:sp>
@@ -6842,8 +6825,8 @@
         </p:nvSpPr>
         <p:spPr>
           <a:xfrm>
-            <a:off x="466725" y="2348865"/>
-            <a:ext cx="11304270" cy="4235450"/>
+            <a:off x="466725" y="2425065"/>
+            <a:ext cx="11304270" cy="4159250"/>
           </a:xfrm>
         </p:spPr>
         <p:txBody>
@@ -6858,21 +6841,30 @@
             </a:pPr>
             <a:r>
               <a:rPr sz="4800"/>
+              <a:t>Cuando ustedes digan «sí», que sea sí, y cuando digan «no», que sea no. Todo lo que se dice de más, viene del Maligno.</a:t>
+            </a:r>
+            <a:r>
+              <a:rPr lang="es-AR" sz="4800"/>
               <a:t> </a:t>
             </a:r>
-            <a:r>
+            <a:br>
               <a:rPr lang="es-AR" sz="4800"/>
-              <a:t>“E</a:t>
-            </a:r>
-            <a:r>
-              <a:rPr sz="4800"/>
-              <a:t>l deslumbramiento engañoso del relativismo, que oculta el esplendor de la verdad y, removiendo la tierra bajo nuestros pies, nos lleva a las arenas movedizas de la confusión y la desesperación</a:t>
-            </a:r>
-            <a:r>
+            </a:br>
+            <a:br>
               <a:rPr lang="es-AR" sz="4800"/>
-              <a:t>”. P. Francisco</a:t>
-            </a:r>
-            <a:endParaRPr lang="es-AR" sz="4800"/>
+            </a:br>
+            <a:r>
+              <a:rPr lang="es-AR" sz="4800"/>
+              <a:t>Mt 5, 37</a:t>
+            </a:r>
+            <a:endParaRPr sz="4800"/>
+          </a:p>
+          <a:p>
+            <a:pPr marL="342900" indent="-342900">
+              <a:buFont typeface="Arial" panose="020B0604020202020204" pitchFamily="34" charset="0"/>
+              <a:buChar char="•"/>
+            </a:pPr>
+            <a:endParaRPr lang="en-US" sz="4800"/>
           </a:p>
         </p:txBody>
       </p:sp>
@@ -6985,25 +6977,21 @@
               <a:buFont typeface="Arial" panose="020B0604020202020204" pitchFamily="34" charset="0"/>
               <a:buChar char="•"/>
             </a:pPr>
-            <a:endParaRPr lang="es-AR" sz="4800"/>
-          </a:p>
-          <a:p>
-            <a:pPr>
-              <a:buFont typeface="Arial" panose="020B0604020202020204" pitchFamily="34" charset="0"/>
-            </a:pPr>
+            <a:r>
+              <a:rPr sz="4800"/>
+              <a:t> </a:t>
+            </a:r>
             <a:r>
               <a:rPr lang="es-AR" sz="4800"/>
-              <a:t>«Dios y la verdad son inseparables»</a:t>
-            </a:r>
-            <a:br>
+              <a:t>“E</a:t>
+            </a:r>
+            <a:r>
+              <a:rPr sz="4800"/>
+              <a:t>l deslumbramiento engañoso del relativismo, que oculta el esplendor de la verdad y, removiendo la tierra bajo nuestros pies, nos lleva a las arenas movedizas de la confusión y la desesperación</a:t>
+            </a:r>
+            <a:r>
               <a:rPr lang="es-AR" sz="4800"/>
-            </a:br>
-            <a:br>
-              <a:rPr lang="es-AR" sz="4800"/>
-            </a:br>
-            <a:r>
-              <a:rPr lang="es-AR" sz="4800"/>
-              <a:t>Blas Pascal</a:t>
+              <a:t>”. P. Francisco</a:t>
             </a:r>
             <a:endParaRPr lang="es-AR" sz="4800"/>
           </a:p>
@@ -7104,8 +7092,8 @@
         </p:nvSpPr>
         <p:spPr>
           <a:xfrm>
-            <a:off x="466725" y="2348865"/>
-            <a:ext cx="11304270" cy="4235450"/>
+            <a:off x="466725" y="1774825"/>
+            <a:ext cx="11304270" cy="4809490"/>
           </a:xfrm>
         </p:spPr>
         <p:txBody>
@@ -7114,17 +7102,73 @@
           </a:bodyPr>
           <a:lstStyle/>
           <a:p>
-            <a:pPr marL="342900" indent="-342900">
+            <a:pPr fontAlgn="auto">
+              <a:spcAft>
+                <a:spcPts val="1200"/>
+              </a:spcAft>
               <a:buFont typeface="Arial" panose="020B0604020202020204" pitchFamily="34" charset="0"/>
-              <a:buChar char="•"/>
             </a:pPr>
             <a:r>
-              <a:rPr sz="4800"/>
-              <a:t> </a:t>
+              <a:rPr lang="es-AR" sz="4800">
+                <a:sym typeface="+mn-ea"/>
+              </a:rPr>
+              <a:t>«</a:t>
+            </a:r>
+            <a:r>
+              <a:rPr lang="es-AR" sz="4800">
+                <a:sym typeface="+mn-ea"/>
+              </a:rPr>
+              <a:t>Si no actúas como piensas, terminarás pensando como actúas</a:t>
+            </a:r>
+            <a:r>
+              <a:rPr lang="es-AR" sz="4800">
+                <a:sym typeface="+mn-ea"/>
+              </a:rPr>
+              <a:t>»                         </a:t>
+            </a:r>
+            <a:br>
+              <a:rPr lang="es-AR" sz="4800">
+                <a:sym typeface="+mn-ea"/>
+              </a:rPr>
+            </a:br>
+            <a:r>
+              <a:rPr lang="es-AR" sz="4800">
+                <a:sym typeface="+mn-ea"/>
+              </a:rPr>
+              <a:t>«</a:t>
             </a:r>
             <a:r>
               <a:rPr lang="es-AR" sz="4800"/>
-              <a:t>Pascal crea la primera calculadora en base a ruedas y engranajes. Es el antepasado de remoto de las actuales computadoras.</a:t>
+              <a:t>Aquel que duda y no investiga, se torna no sólo infeliz, sino también injusto</a:t>
+            </a:r>
+            <a:r>
+              <a:rPr lang="es-AR" sz="4800">
+                <a:sym typeface="+mn-ea"/>
+              </a:rPr>
+              <a:t>»</a:t>
+            </a:r>
+            <a:endParaRPr lang="es-AR" sz="4800"/>
+          </a:p>
+          <a:p>
+            <a:pPr fontAlgn="auto">
+              <a:spcAft>
+                <a:spcPts val="1200"/>
+              </a:spcAft>
+              <a:buFont typeface="Arial" panose="020B0604020202020204" pitchFamily="34" charset="0"/>
+            </a:pPr>
+            <a:r>
+              <a:rPr lang="es-AR" sz="4800"/>
+              <a:t>«Dios y la verdad son inseparables»</a:t>
+            </a:r>
+            <a:br>
+              <a:rPr lang="es-AR" sz="4800"/>
+            </a:br>
+            <a:br>
+              <a:rPr lang="es-AR" sz="4800"/>
+            </a:br>
+            <a:r>
+              <a:rPr lang="es-AR" sz="4800"/>
+              <a:t>Blas Pascal</a:t>
             </a:r>
             <a:endParaRPr lang="es-AR" sz="4800"/>
           </a:p>

--- a/MDSite/MDSite/wwwroot/docs/curso/01-Introducción a la lógica.pptx
+++ b/MDSite/MDSite/wwwroot/docs/curso/01-Introducción a la lógica.pptx
@@ -17,19 +17,20 @@
     <p:sldId id="258" r:id="rId10"/>
     <p:sldId id="278" r:id="rId11"/>
     <p:sldId id="263" r:id="rId12"/>
-    <p:sldId id="264" r:id="rId13"/>
-    <p:sldId id="265" r:id="rId14"/>
-    <p:sldId id="266" r:id="rId15"/>
-    <p:sldId id="267" r:id="rId16"/>
-    <p:sldId id="268" r:id="rId17"/>
-    <p:sldId id="270" r:id="rId18"/>
-    <p:sldId id="271" r:id="rId19"/>
-    <p:sldId id="272" r:id="rId20"/>
-    <p:sldId id="273" r:id="rId21"/>
-    <p:sldId id="290" r:id="rId22"/>
-    <p:sldId id="291" r:id="rId23"/>
-    <p:sldId id="292" r:id="rId24"/>
-    <p:sldId id="293" r:id="rId25"/>
+    <p:sldId id="295" r:id="rId13"/>
+    <p:sldId id="264" r:id="rId14"/>
+    <p:sldId id="294" r:id="rId15"/>
+    <p:sldId id="266" r:id="rId16"/>
+    <p:sldId id="267" r:id="rId17"/>
+    <p:sldId id="268" r:id="rId18"/>
+    <p:sldId id="270" r:id="rId19"/>
+    <p:sldId id="271" r:id="rId20"/>
+    <p:sldId id="272" r:id="rId21"/>
+    <p:sldId id="273" r:id="rId22"/>
+    <p:sldId id="290" r:id="rId23"/>
+    <p:sldId id="291" r:id="rId24"/>
+    <p:sldId id="292" r:id="rId25"/>
+    <p:sldId id="293" r:id="rId26"/>
   </p:sldIdLst>
   <p:sldSz cx="12192000" cy="6858000"/>
   <p:notesSz cx="6858000" cy="9144000"/>
@@ -571,21 +572,14 @@
           <a:p>
             <a:r>
               <a:rPr lang="es-AR" altLang="en-GB"/>
-              <a:t>En el nivel cuántico existen constantes universales en sintonía fina, que de tener otros valores, no harían posible la vida y la existencia del espacio , del tiempo y la materia. Esto se despliega en la existencia a través de la vibración de las partículas cuánticas. La musica es esa vibración y la materia es esa vibración.</a:t>
-            </a:r>
-            <a:br>
+              <a:t>Nivel físico estándar. Física netwoniana y teoría de Einstein. Diseño más comprensible pero que pertenece a un dominio más complejo, el universo es cuántico.</a:t>
+            </a:r>
+            <a:endParaRPr lang="es-AR" altLang="en-GB"/>
+          </a:p>
+          <a:p>
+            <a:r>
               <a:rPr lang="es-AR" altLang="en-GB"/>
-            </a:br>
-            <a:r>
-              <a:rPr lang="es-AR" altLang="en-GB"/>
-              <a:t>Tiempo espacio y materia están interrelacionados físicamente en el modelo estándar y en el cuántico. Y es muy fácil representarlo digitalmente. Analogicamente a través de arte. Digitalmente a través de archivos.</a:t>
-            </a:r>
-            <a:endParaRPr lang="es-AR" altLang="en-GB"/>
-          </a:p>
-          <a:p>
-            <a:r>
-              <a:rPr lang="es-AR" altLang="en-GB"/>
-              <a:t>Existe el Diseñador, vovler a Aristóteles con el Unico Motor Inmóvil</a:t>
+              <a:t>Nivel físico cuántico, es la profundidad de la creación, un nivel subatómico y de energía mucho más complejo y de diseño superior al que vemos en la superficie cotidiana.</a:t>
             </a:r>
             <a:endParaRPr lang="es-AR" altLang="en-GB"/>
           </a:p>
@@ -633,14 +627,21 @@
           <a:p>
             <a:r>
               <a:rPr lang="es-AR" altLang="en-GB"/>
-              <a:t>Vemos analogías de sus abstracciones entre el tejido a máximo nivel de los supercumuloa galácticos y tienen el mismo díseño que las redes neuronales de nuestro cerebro, que evolucionó para permitirnos tener el lenguaje y pensar, distinguirnos de los animales.</a:t>
+              <a:t>En el nivel cuántico existen constantes universales en sintonía fina, que de tener otros valores, no harían posible la vida y la existencia del espacio , del tiempo y la materia. Esto se despliega en la existencia a través de la vibración de las partículas cuánticas. La musica es esa vibración y la materia es esa vibración.</a:t>
+            </a:r>
+            <a:br>
+              <a:rPr lang="es-AR" altLang="en-GB"/>
+            </a:br>
+            <a:r>
+              <a:rPr lang="es-AR" altLang="en-GB"/>
+              <a:t>Tiempo espacio y materia están interrelacionados físicamente en el modelo estándar y en el cuántico. Y es muy fácil representarlo digitalmente. Analogicamente a través de arte. Digitalmente a través de archivos.</a:t>
             </a:r>
             <a:endParaRPr lang="es-AR" altLang="en-GB"/>
           </a:p>
           <a:p>
             <a:r>
               <a:rPr lang="es-AR" altLang="en-GB"/>
-              <a:t>El universo observable está conformado por una red cósmica de 100 mil millones de galaxias aproximadamente y el cerebro humano tiene una una red neuronal con una cantidad similar de neuronas. Cada uno de nosotros alberga dentro de sí una complejidad similar a la del universo visible. </a:t>
+              <a:t>Existe el Diseñador, vovler a Aristóteles con el Unico Motor Inmóvil</a:t>
             </a:r>
             <a:endParaRPr lang="es-AR" altLang="en-GB"/>
           </a:p>
@@ -688,42 +689,14 @@
           <a:p>
             <a:r>
               <a:rPr lang="es-AR" altLang="en-GB"/>
-              <a:t>Esto es una red neuronal.</a:t>
+              <a:t>Vemos analogías de sus abstracciones entre el tejido a máximo nivel de los supercumuloa galácticos y tienen el mismo díseño que las redes neuronales de nuestro cerebro, que evolucionó para permitirnos tener el lenguaje y pensar, distinguirnos de los animales.</a:t>
             </a:r>
             <a:endParaRPr lang="es-AR" altLang="en-GB"/>
           </a:p>
           <a:p>
             <a:r>
               <a:rPr lang="es-AR" altLang="en-GB"/>
-              <a:t>Una abstracción utilizada en la Inteligencia Artificial.</a:t>
-            </a:r>
-            <a:endParaRPr lang="es-AR" altLang="en-GB"/>
-          </a:p>
-          <a:p>
-            <a:r>
-              <a:rPr lang="es-AR" altLang="en-GB"/>
-              <a:t>Tenemos que ser concientes de nuestra existencia indivisible entre espíritu y materia.</a:t>
-            </a:r>
-            <a:endParaRPr lang="es-AR" altLang="en-GB"/>
-          </a:p>
-          <a:p>
-            <a:r>
-              <a:rPr lang="es-AR" altLang="en-GB"/>
-              <a:t>Para situarse sobre el punto de disrupción de la tecnologia, hay que entenderla a su nivel más profundo, metafísico, en el cual la IA no puede reemplazarnos. La IA ha llegado a los LLM (large language models).</a:t>
-            </a:r>
-            <a:endParaRPr lang="es-AR" altLang="en-GB"/>
-          </a:p>
-          <a:p>
-            <a:r>
-              <a:rPr lang="es-AR" altLang="en-GB"/>
-              <a:t>Algunos algoritmos han sido diseñados para dominar el pensamiento hasta la química humana (dopamina, serotonina), son los algoritmos sociales.</a:t>
-            </a:r>
-            <a:endParaRPr lang="es-AR" altLang="en-GB"/>
-          </a:p>
-          <a:p>
-            <a:r>
-              <a:rPr lang="es-AR" altLang="en-GB"/>
-              <a:t>Es necesaria la evolucion hacia la fusión del pensamiento lógico y orgánico.</a:t>
+              <a:t>El universo observable está conformado por una red cósmica de 100 mil millones de galaxias aproximadamente y el cerebro humano tiene una una red neuronal con una cantidad similar de neuronas. Cada uno de nosotros alberga dentro de sí una complejidad similar a la del universo visible. </a:t>
             </a:r>
             <a:endParaRPr lang="es-AR" altLang="en-GB"/>
           </a:p>
@@ -771,14 +744,42 @@
           <a:p>
             <a:r>
               <a:rPr lang="es-AR" altLang="en-GB"/>
-              <a:t>Nivel físico estándar. Física netwoniana y teoría de Einstein. Diseño más comprensible pero que pertenece a un dominio más complejo, el universo es cuántico.</a:t>
+              <a:t>Esto es una red neuronal.</a:t>
             </a:r>
             <a:endParaRPr lang="es-AR" altLang="en-GB"/>
           </a:p>
           <a:p>
             <a:r>
               <a:rPr lang="es-AR" altLang="en-GB"/>
-              <a:t>Nivel físico cuántico, es la profundidad de la creación, un nivel subatómico y de energía mucho más complejo y de diseño superior al que vemos en la superficie cotidiana.</a:t>
+              <a:t>Una abstracción utilizada en la Inteligencia Artificial.</a:t>
+            </a:r>
+            <a:endParaRPr lang="es-AR" altLang="en-GB"/>
+          </a:p>
+          <a:p>
+            <a:r>
+              <a:rPr lang="es-AR" altLang="en-GB"/>
+              <a:t>Tenemos que ser concientes de nuestra existencia indivisible entre espíritu y materia.</a:t>
+            </a:r>
+            <a:endParaRPr lang="es-AR" altLang="en-GB"/>
+          </a:p>
+          <a:p>
+            <a:r>
+              <a:rPr lang="es-AR" altLang="en-GB"/>
+              <a:t>Para situarse sobre el punto de disrupción de la tecnologia, hay que entenderla a su nivel más profundo, metafísico, en el cual la IA no puede reemplazarnos. La IA ha llegado a los LLM (large language models).</a:t>
+            </a:r>
+            <a:endParaRPr lang="es-AR" altLang="en-GB"/>
+          </a:p>
+          <a:p>
+            <a:r>
+              <a:rPr lang="es-AR" altLang="en-GB"/>
+              <a:t>Algunos algoritmos han sido diseñados para dominar el pensamiento hasta la química humana (dopamina, serotonina), son los algoritmos sociales.</a:t>
+            </a:r>
+            <a:endParaRPr lang="es-AR" altLang="en-GB"/>
+          </a:p>
+          <a:p>
+            <a:r>
+              <a:rPr lang="es-AR" altLang="en-GB"/>
+              <a:t>Es necesaria la evolucion hacia la fusión del pensamiento lógico y orgánico.</a:t>
             </a:r>
             <a:endParaRPr lang="es-AR" altLang="en-GB"/>
           </a:p>
@@ -957,6 +958,61 @@
 </p:notes>
 </file>
 
+<file path=ppt/notesSlides/notesSlide17.xml><?xml version="1.0" encoding="utf-8"?>
+<p:notes xmlns:a="http://schemas.openxmlformats.org/drawingml/2006/main" xmlns:r="http://schemas.openxmlformats.org/officeDocument/2006/relationships" xmlns:p="http://schemas.openxmlformats.org/presentationml/2006/main">
+  <p:cSld>
+    <p:spTree>
+      <p:nvGrpSpPr>
+        <p:cNvPr id="1" name=""/>
+        <p:cNvGrpSpPr/>
+        <p:nvPr/>
+      </p:nvGrpSpPr>
+      <p:grpSpPr/>
+      <p:sp>
+        <p:nvSpPr>
+          <p:cNvPr id="2" name="Slide Image Placeholder 1"/>
+          <p:cNvSpPr/>
+          <p:nvPr>
+            <p:ph type="sldImg" idx="2"/>
+          </p:nvPr>
+        </p:nvSpPr>
+        <p:spPr/>
+      </p:sp>
+      <p:sp>
+        <p:nvSpPr>
+          <p:cNvPr id="3" name="Text Placeholder 2"/>
+          <p:cNvSpPr/>
+          <p:nvPr>
+            <p:ph type="body" idx="3"/>
+          </p:nvPr>
+        </p:nvSpPr>
+        <p:spPr/>
+        <p:txBody>
+          <a:bodyPr/>
+          <a:p>
+            <a:r>
+              <a:rPr lang="es-AR" altLang="en-GB"/>
+              <a:t>Nivel físico estándar. Física netwoniana y teoría de Einstein. Diseño más comprensible pero que pertenece a un dominio más complejo, el universo es cuántico.</a:t>
+            </a:r>
+            <a:endParaRPr lang="es-AR" altLang="en-GB"/>
+          </a:p>
+          <a:p>
+            <a:r>
+              <a:rPr lang="es-AR" altLang="en-GB"/>
+              <a:t>Nivel físico cuántico, es la profundidad de la creación, un nivel subatómico y de energía mucho más complejo y de diseño superior al que vemos en la superficie cotidiana.</a:t>
+            </a:r>
+            <a:endParaRPr lang="es-AR" altLang="en-GB"/>
+          </a:p>
+        </p:txBody>
+      </p:sp>
+    </p:spTree>
+  </p:cSld>
+  <p:clrMapOvr>
+    <a:masterClrMapping/>
+  </p:clrMapOvr>
+</p:notes>
+</file>
+
 <file path=ppt/notesSlides/notesSlide2.xml><?xml version="1.0" encoding="utf-8"?>
 <p:notes xmlns:a="http://schemas.openxmlformats.org/drawingml/2006/main" xmlns:r="http://schemas.openxmlformats.org/officeDocument/2006/relationships" xmlns:p="http://schemas.openxmlformats.org/presentationml/2006/main">
   <p:cSld>
@@ -1254,10 +1310,6 @@
         <p:txBody>
           <a:bodyPr/>
           <a:p>
-            <a:r>
-              <a:rPr lang="es-AR" altLang="en-GB"/>
-              <a:t>No es posible el 100% de conversión, por eso existe la resolución (Bits, HD).</a:t>
-            </a:r>
             <a:endParaRPr lang="es-AR" altLang="en-GB"/>
           </a:p>
         </p:txBody>
@@ -1302,6 +1354,10 @@
         <p:txBody>
           <a:bodyPr/>
           <a:p>
+            <a:r>
+              <a:rPr lang="es-AR" altLang="en-GB"/>
+              <a:t>No es posible el 100% de conversión, por eso existe la resolución (Bits, HD).</a:t>
+            </a:r>
             <a:endParaRPr lang="es-AR" altLang="en-GB"/>
           </a:p>
         </p:txBody>
@@ -1346,17 +1402,6 @@
         <p:txBody>
           <a:bodyPr/>
           <a:p>
-            <a:r>
-              <a:rPr lang="es-AR" altLang="en-GB"/>
-              <a:t>Nivel físico estándar. Física netwoniana y teoría de Einstein. Diseño más comprensible pero que pertenece a un dominio más complejo, el universo es cuántico.</a:t>
-            </a:r>
-            <a:endParaRPr lang="es-AR" altLang="en-GB"/>
-          </a:p>
-          <a:p>
-            <a:r>
-              <a:rPr lang="es-AR" altLang="en-GB"/>
-              <a:t>Nivel físico cuántico, es la profundidad de la creación, un nivel subatómico y de energía mucho más complejo y de diseño superior al que vemos en la superficie cotidiana.</a:t>
-            </a:r>
             <a:endParaRPr lang="es-AR" altLang="en-GB"/>
           </a:p>
         </p:txBody>
@@ -4428,30 +4473,774 @@
       </p:cxnSp>
       <p:pic>
         <p:nvPicPr>
-          <p:cNvPr id="100" name="Picture 99"/>
+          <p:cNvPr id="3" name="Picture 2"/>
           <p:cNvPicPr/>
           <p:nvPr/>
         </p:nvPicPr>
         <p:blipFill>
           <a:blip r:embed="rId1"/>
-          <a:stretch>
-            <a:fillRect/>
-          </a:stretch>
         </p:blipFill>
         <p:spPr>
           <a:xfrm>
-            <a:off x="3489960" y="1983740"/>
-            <a:ext cx="4750435" cy="4326890"/>
+            <a:off x="409575" y="1774190"/>
+            <a:ext cx="3895725" cy="4814570"/>
           </a:xfrm>
           <a:prstGeom prst="rect">
             <a:avLst/>
           </a:prstGeom>
-          <a:noFill/>
-          <a:ln w="9525">
-            <a:noFill/>
-          </a:ln>
         </p:spPr>
       </p:pic>
+      <p:sp>
+        <p:nvSpPr>
+          <p:cNvPr id="5" name="Subtitle 4"/>
+          <p:cNvSpPr>
+            <a:spLocks noGrp="1"/>
+          </p:cNvSpPr>
+          <p:nvPr>
+            <p:ph type="subTitle" idx="1"/>
+          </p:nvPr>
+        </p:nvSpPr>
+        <p:spPr>
+          <a:xfrm>
+            <a:off x="6731635" y="3199765"/>
+            <a:ext cx="2312670" cy="846455"/>
+          </a:xfrm>
+        </p:spPr>
+        <p:txBody>
+          <a:bodyPr>
+            <a:noAutofit/>
+          </a:bodyPr>
+          <a:p>
+            <a:pPr>
+              <a:buFont typeface="Arial" panose="020B0604020202020204" pitchFamily="34" charset="0"/>
+            </a:pPr>
+            <a:r>
+              <a:rPr lang="es-AR" sz="4800"/>
+              <a:t>2</a:t>
+            </a:r>
+            <a:r>
+              <a:rPr lang="es-AR" sz="4800" baseline="50000">
+                <a:solidFill>
+                  <a:schemeClr val="tx1"/>
+                </a:solidFill>
+                <a:uFillTx/>
+              </a:rPr>
+              <a:t>4</a:t>
+            </a:r>
+            <a:r>
+              <a:rPr lang="es-AR" sz="4800" baseline="30000">
+                <a:solidFill>
+                  <a:schemeClr val="tx1"/>
+                </a:solidFill>
+                <a:uFillTx/>
+              </a:rPr>
+              <a:t> </a:t>
+            </a:r>
+            <a:r>
+              <a:rPr lang="es-AR" sz="4800">
+                <a:solidFill>
+                  <a:schemeClr val="tx1"/>
+                </a:solidFill>
+                <a:uFillTx/>
+              </a:rPr>
+              <a:t>= 16</a:t>
+            </a:r>
+            <a:endParaRPr lang="es-AR" sz="4800">
+              <a:solidFill>
+                <a:schemeClr val="tx1"/>
+              </a:solidFill>
+              <a:uFillTx/>
+            </a:endParaRPr>
+          </a:p>
+        </p:txBody>
+      </p:sp>
+      <p:sp>
+        <p:nvSpPr>
+          <p:cNvPr id="6" name="Subtitle 4"/>
+          <p:cNvSpPr>
+            <a:spLocks noGrp="1"/>
+          </p:cNvSpPr>
+          <p:nvPr/>
+        </p:nvSpPr>
+        <p:spPr>
+          <a:xfrm>
+            <a:off x="4161790" y="2064385"/>
+            <a:ext cx="7982585" cy="909320"/>
+          </a:xfrm>
+          <a:prstGeom prst="rect">
+            <a:avLst/>
+          </a:prstGeom>
+        </p:spPr>
+        <p:txBody>
+          <a:bodyPr vert="horz" lIns="91440" tIns="45720" rIns="91440" bIns="45720" rtlCol="0">
+            <a:noAutofit/>
+          </a:bodyPr>
+          <a:lstStyle>
+            <a:lvl1pPr marL="0" indent="0" algn="ctr" defTabSz="914400" rtl="0" eaLnBrk="1" latinLnBrk="0" hangingPunct="1">
+              <a:lnSpc>
+                <a:spcPct val="90000"/>
+              </a:lnSpc>
+              <a:spcBef>
+                <a:spcPts val="1000"/>
+              </a:spcBef>
+              <a:buFont typeface="Arial" panose="020B0604020202020204" pitchFamily="34" charset="0"/>
+              <a:buNone/>
+              <a:defRPr sz="2400" kern="1200">
+                <a:solidFill>
+                  <a:schemeClr val="tx1"/>
+                </a:solidFill>
+                <a:latin typeface="+mn-lt"/>
+                <a:ea typeface="+mn-ea"/>
+                <a:cs typeface="+mn-cs"/>
+              </a:defRPr>
+            </a:lvl1pPr>
+            <a:lvl2pPr marL="457200" indent="0" algn="ctr" defTabSz="914400" rtl="0" eaLnBrk="1" latinLnBrk="0" hangingPunct="1">
+              <a:lnSpc>
+                <a:spcPct val="90000"/>
+              </a:lnSpc>
+              <a:spcBef>
+                <a:spcPts val="500"/>
+              </a:spcBef>
+              <a:buFont typeface="Arial" panose="020B0604020202020204" pitchFamily="34" charset="0"/>
+              <a:buNone/>
+              <a:defRPr sz="2000" kern="1200">
+                <a:solidFill>
+                  <a:schemeClr val="tx1"/>
+                </a:solidFill>
+                <a:latin typeface="+mn-lt"/>
+                <a:ea typeface="+mn-ea"/>
+                <a:cs typeface="+mn-cs"/>
+              </a:defRPr>
+            </a:lvl2pPr>
+            <a:lvl3pPr marL="914400" indent="0" algn="ctr" defTabSz="914400" rtl="0" eaLnBrk="1" latinLnBrk="0" hangingPunct="1">
+              <a:lnSpc>
+                <a:spcPct val="90000"/>
+              </a:lnSpc>
+              <a:spcBef>
+                <a:spcPts val="500"/>
+              </a:spcBef>
+              <a:buFont typeface="Arial" panose="020B0604020202020204" pitchFamily="34" charset="0"/>
+              <a:buNone/>
+              <a:defRPr sz="1800" kern="1200">
+                <a:solidFill>
+                  <a:schemeClr val="tx1"/>
+                </a:solidFill>
+                <a:latin typeface="+mn-lt"/>
+                <a:ea typeface="+mn-ea"/>
+                <a:cs typeface="+mn-cs"/>
+              </a:defRPr>
+            </a:lvl3pPr>
+            <a:lvl4pPr marL="1371600" indent="0" algn="ctr" defTabSz="914400" rtl="0" eaLnBrk="1" latinLnBrk="0" hangingPunct="1">
+              <a:lnSpc>
+                <a:spcPct val="90000"/>
+              </a:lnSpc>
+              <a:spcBef>
+                <a:spcPts val="500"/>
+              </a:spcBef>
+              <a:buFont typeface="Arial" panose="020B0604020202020204" pitchFamily="34" charset="0"/>
+              <a:buNone/>
+              <a:defRPr sz="1600" kern="1200">
+                <a:solidFill>
+                  <a:schemeClr val="tx1"/>
+                </a:solidFill>
+                <a:latin typeface="+mn-lt"/>
+                <a:ea typeface="+mn-ea"/>
+                <a:cs typeface="+mn-cs"/>
+              </a:defRPr>
+            </a:lvl4pPr>
+            <a:lvl5pPr marL="1828800" indent="0" algn="ctr" defTabSz="914400" rtl="0" eaLnBrk="1" latinLnBrk="0" hangingPunct="1">
+              <a:lnSpc>
+                <a:spcPct val="90000"/>
+              </a:lnSpc>
+              <a:spcBef>
+                <a:spcPts val="500"/>
+              </a:spcBef>
+              <a:buFont typeface="Arial" panose="020B0604020202020204" pitchFamily="34" charset="0"/>
+              <a:buNone/>
+              <a:defRPr sz="1600" kern="1200">
+                <a:solidFill>
+                  <a:schemeClr val="tx1"/>
+                </a:solidFill>
+                <a:latin typeface="+mn-lt"/>
+                <a:ea typeface="+mn-ea"/>
+                <a:cs typeface="+mn-cs"/>
+              </a:defRPr>
+            </a:lvl5pPr>
+            <a:lvl6pPr marL="2286000" indent="0" algn="ctr" defTabSz="914400" rtl="0" eaLnBrk="1" latinLnBrk="0" hangingPunct="1">
+              <a:lnSpc>
+                <a:spcPct val="90000"/>
+              </a:lnSpc>
+              <a:spcBef>
+                <a:spcPts val="500"/>
+              </a:spcBef>
+              <a:buFont typeface="Arial" panose="020B0604020202020204" pitchFamily="34" charset="0"/>
+              <a:buNone/>
+              <a:defRPr sz="1600" kern="1200">
+                <a:solidFill>
+                  <a:schemeClr val="tx1"/>
+                </a:solidFill>
+                <a:latin typeface="+mn-lt"/>
+                <a:ea typeface="+mn-ea"/>
+                <a:cs typeface="+mn-cs"/>
+              </a:defRPr>
+            </a:lvl6pPr>
+            <a:lvl7pPr marL="2743200" indent="0" algn="ctr" defTabSz="914400" rtl="0" eaLnBrk="1" latinLnBrk="0" hangingPunct="1">
+              <a:lnSpc>
+                <a:spcPct val="90000"/>
+              </a:lnSpc>
+              <a:spcBef>
+                <a:spcPts val="500"/>
+              </a:spcBef>
+              <a:buFont typeface="Arial" panose="020B0604020202020204" pitchFamily="34" charset="0"/>
+              <a:buNone/>
+              <a:defRPr sz="1600" kern="1200">
+                <a:solidFill>
+                  <a:schemeClr val="tx1"/>
+                </a:solidFill>
+                <a:latin typeface="+mn-lt"/>
+                <a:ea typeface="+mn-ea"/>
+                <a:cs typeface="+mn-cs"/>
+              </a:defRPr>
+            </a:lvl7pPr>
+            <a:lvl8pPr marL="3200400" indent="0" algn="ctr" defTabSz="914400" rtl="0" eaLnBrk="1" latinLnBrk="0" hangingPunct="1">
+              <a:lnSpc>
+                <a:spcPct val="90000"/>
+              </a:lnSpc>
+              <a:spcBef>
+                <a:spcPts val="500"/>
+              </a:spcBef>
+              <a:buFont typeface="Arial" panose="020B0604020202020204" pitchFamily="34" charset="0"/>
+              <a:buNone/>
+              <a:defRPr sz="1600" kern="1200">
+                <a:solidFill>
+                  <a:schemeClr val="tx1"/>
+                </a:solidFill>
+                <a:latin typeface="+mn-lt"/>
+                <a:ea typeface="+mn-ea"/>
+                <a:cs typeface="+mn-cs"/>
+              </a:defRPr>
+            </a:lvl8pPr>
+            <a:lvl9pPr marL="3657600" indent="0" algn="ctr" defTabSz="914400" rtl="0" eaLnBrk="1" latinLnBrk="0" hangingPunct="1">
+              <a:lnSpc>
+                <a:spcPct val="90000"/>
+              </a:lnSpc>
+              <a:spcBef>
+                <a:spcPts val="500"/>
+              </a:spcBef>
+              <a:buFont typeface="Arial" panose="020B0604020202020204" pitchFamily="34" charset="0"/>
+              <a:buNone/>
+              <a:defRPr sz="1600" kern="1200">
+                <a:solidFill>
+                  <a:schemeClr val="tx1"/>
+                </a:solidFill>
+                <a:latin typeface="+mn-lt"/>
+                <a:ea typeface="+mn-ea"/>
+                <a:cs typeface="+mn-cs"/>
+              </a:defRPr>
+            </a:lvl9pPr>
+          </a:lstStyle>
+          <a:p>
+            <a:pPr algn="r">
+              <a:buFont typeface="Arial" panose="020B0604020202020204" pitchFamily="34" charset="0"/>
+            </a:pPr>
+            <a:r>
+              <a:rPr lang="es-AR" sz="4800"/>
+              <a:t>2</a:t>
+            </a:r>
+            <a:r>
+              <a:rPr lang="es-AR" sz="4800" baseline="50000">
+                <a:solidFill>
+                  <a:schemeClr val="tx1"/>
+                </a:solidFill>
+                <a:uFillTx/>
+              </a:rPr>
+              <a:t>(Cant. de Bits)</a:t>
+            </a:r>
+            <a:r>
+              <a:rPr lang="es-AR" sz="4800" baseline="30000">
+                <a:solidFill>
+                  <a:schemeClr val="tx1"/>
+                </a:solidFill>
+                <a:uFillTx/>
+              </a:rPr>
+              <a:t> </a:t>
+            </a:r>
+            <a:r>
+              <a:rPr lang="es-AR" sz="4800">
+                <a:solidFill>
+                  <a:schemeClr val="tx1"/>
+                </a:solidFill>
+                <a:uFillTx/>
+              </a:rPr>
+              <a:t>= (Cant. de valores)</a:t>
+            </a:r>
+            <a:endParaRPr lang="es-AR" sz="4800">
+              <a:solidFill>
+                <a:schemeClr val="tx1"/>
+              </a:solidFill>
+              <a:uFillTx/>
+            </a:endParaRPr>
+          </a:p>
+        </p:txBody>
+      </p:sp>
+      <p:sp>
+        <p:nvSpPr>
+          <p:cNvPr id="7" name="Subtitle 4"/>
+          <p:cNvSpPr>
+            <a:spLocks noGrp="1"/>
+          </p:cNvSpPr>
+          <p:nvPr/>
+        </p:nvSpPr>
+        <p:spPr>
+          <a:xfrm>
+            <a:off x="6779260" y="4251960"/>
+            <a:ext cx="2312670" cy="846455"/>
+          </a:xfrm>
+          <a:prstGeom prst="rect">
+            <a:avLst/>
+          </a:prstGeom>
+        </p:spPr>
+        <p:txBody>
+          <a:bodyPr vert="horz" lIns="91440" tIns="45720" rIns="91440" bIns="45720" rtlCol="0">
+            <a:noAutofit/>
+          </a:bodyPr>
+          <a:lstStyle>
+            <a:lvl1pPr marL="0" indent="0" algn="ctr" defTabSz="914400" rtl="0" eaLnBrk="1" latinLnBrk="0" hangingPunct="1">
+              <a:lnSpc>
+                <a:spcPct val="90000"/>
+              </a:lnSpc>
+              <a:spcBef>
+                <a:spcPts val="1000"/>
+              </a:spcBef>
+              <a:buFont typeface="Arial" panose="020B0604020202020204" pitchFamily="34" charset="0"/>
+              <a:buNone/>
+              <a:defRPr sz="2400" kern="1200">
+                <a:solidFill>
+                  <a:schemeClr val="tx1"/>
+                </a:solidFill>
+                <a:latin typeface="+mn-lt"/>
+                <a:ea typeface="+mn-ea"/>
+                <a:cs typeface="+mn-cs"/>
+              </a:defRPr>
+            </a:lvl1pPr>
+            <a:lvl2pPr marL="457200" indent="0" algn="ctr" defTabSz="914400" rtl="0" eaLnBrk="1" latinLnBrk="0" hangingPunct="1">
+              <a:lnSpc>
+                <a:spcPct val="90000"/>
+              </a:lnSpc>
+              <a:spcBef>
+                <a:spcPts val="500"/>
+              </a:spcBef>
+              <a:buFont typeface="Arial" panose="020B0604020202020204" pitchFamily="34" charset="0"/>
+              <a:buNone/>
+              <a:defRPr sz="2000" kern="1200">
+                <a:solidFill>
+                  <a:schemeClr val="tx1"/>
+                </a:solidFill>
+                <a:latin typeface="+mn-lt"/>
+                <a:ea typeface="+mn-ea"/>
+                <a:cs typeface="+mn-cs"/>
+              </a:defRPr>
+            </a:lvl2pPr>
+            <a:lvl3pPr marL="914400" indent="0" algn="ctr" defTabSz="914400" rtl="0" eaLnBrk="1" latinLnBrk="0" hangingPunct="1">
+              <a:lnSpc>
+                <a:spcPct val="90000"/>
+              </a:lnSpc>
+              <a:spcBef>
+                <a:spcPts val="500"/>
+              </a:spcBef>
+              <a:buFont typeface="Arial" panose="020B0604020202020204" pitchFamily="34" charset="0"/>
+              <a:buNone/>
+              <a:defRPr sz="1800" kern="1200">
+                <a:solidFill>
+                  <a:schemeClr val="tx1"/>
+                </a:solidFill>
+                <a:latin typeface="+mn-lt"/>
+                <a:ea typeface="+mn-ea"/>
+                <a:cs typeface="+mn-cs"/>
+              </a:defRPr>
+            </a:lvl3pPr>
+            <a:lvl4pPr marL="1371600" indent="0" algn="ctr" defTabSz="914400" rtl="0" eaLnBrk="1" latinLnBrk="0" hangingPunct="1">
+              <a:lnSpc>
+                <a:spcPct val="90000"/>
+              </a:lnSpc>
+              <a:spcBef>
+                <a:spcPts val="500"/>
+              </a:spcBef>
+              <a:buFont typeface="Arial" panose="020B0604020202020204" pitchFamily="34" charset="0"/>
+              <a:buNone/>
+              <a:defRPr sz="1600" kern="1200">
+                <a:solidFill>
+                  <a:schemeClr val="tx1"/>
+                </a:solidFill>
+                <a:latin typeface="+mn-lt"/>
+                <a:ea typeface="+mn-ea"/>
+                <a:cs typeface="+mn-cs"/>
+              </a:defRPr>
+            </a:lvl4pPr>
+            <a:lvl5pPr marL="1828800" indent="0" algn="ctr" defTabSz="914400" rtl="0" eaLnBrk="1" latinLnBrk="0" hangingPunct="1">
+              <a:lnSpc>
+                <a:spcPct val="90000"/>
+              </a:lnSpc>
+              <a:spcBef>
+                <a:spcPts val="500"/>
+              </a:spcBef>
+              <a:buFont typeface="Arial" panose="020B0604020202020204" pitchFamily="34" charset="0"/>
+              <a:buNone/>
+              <a:defRPr sz="1600" kern="1200">
+                <a:solidFill>
+                  <a:schemeClr val="tx1"/>
+                </a:solidFill>
+                <a:latin typeface="+mn-lt"/>
+                <a:ea typeface="+mn-ea"/>
+                <a:cs typeface="+mn-cs"/>
+              </a:defRPr>
+            </a:lvl5pPr>
+            <a:lvl6pPr marL="2286000" indent="0" algn="ctr" defTabSz="914400" rtl="0" eaLnBrk="1" latinLnBrk="0" hangingPunct="1">
+              <a:lnSpc>
+                <a:spcPct val="90000"/>
+              </a:lnSpc>
+              <a:spcBef>
+                <a:spcPts val="500"/>
+              </a:spcBef>
+              <a:buFont typeface="Arial" panose="020B0604020202020204" pitchFamily="34" charset="0"/>
+              <a:buNone/>
+              <a:defRPr sz="1600" kern="1200">
+                <a:solidFill>
+                  <a:schemeClr val="tx1"/>
+                </a:solidFill>
+                <a:latin typeface="+mn-lt"/>
+                <a:ea typeface="+mn-ea"/>
+                <a:cs typeface="+mn-cs"/>
+              </a:defRPr>
+            </a:lvl6pPr>
+            <a:lvl7pPr marL="2743200" indent="0" algn="ctr" defTabSz="914400" rtl="0" eaLnBrk="1" latinLnBrk="0" hangingPunct="1">
+              <a:lnSpc>
+                <a:spcPct val="90000"/>
+              </a:lnSpc>
+              <a:spcBef>
+                <a:spcPts val="500"/>
+              </a:spcBef>
+              <a:buFont typeface="Arial" panose="020B0604020202020204" pitchFamily="34" charset="0"/>
+              <a:buNone/>
+              <a:defRPr sz="1600" kern="1200">
+                <a:solidFill>
+                  <a:schemeClr val="tx1"/>
+                </a:solidFill>
+                <a:latin typeface="+mn-lt"/>
+                <a:ea typeface="+mn-ea"/>
+                <a:cs typeface="+mn-cs"/>
+              </a:defRPr>
+            </a:lvl7pPr>
+            <a:lvl8pPr marL="3200400" indent="0" algn="ctr" defTabSz="914400" rtl="0" eaLnBrk="1" latinLnBrk="0" hangingPunct="1">
+              <a:lnSpc>
+                <a:spcPct val="90000"/>
+              </a:lnSpc>
+              <a:spcBef>
+                <a:spcPts val="500"/>
+              </a:spcBef>
+              <a:buFont typeface="Arial" panose="020B0604020202020204" pitchFamily="34" charset="0"/>
+              <a:buNone/>
+              <a:defRPr sz="1600" kern="1200">
+                <a:solidFill>
+                  <a:schemeClr val="tx1"/>
+                </a:solidFill>
+                <a:latin typeface="+mn-lt"/>
+                <a:ea typeface="+mn-ea"/>
+                <a:cs typeface="+mn-cs"/>
+              </a:defRPr>
+            </a:lvl8pPr>
+            <a:lvl9pPr marL="3657600" indent="0" algn="ctr" defTabSz="914400" rtl="0" eaLnBrk="1" latinLnBrk="0" hangingPunct="1">
+              <a:lnSpc>
+                <a:spcPct val="90000"/>
+              </a:lnSpc>
+              <a:spcBef>
+                <a:spcPts val="500"/>
+              </a:spcBef>
+              <a:buFont typeface="Arial" panose="020B0604020202020204" pitchFamily="34" charset="0"/>
+              <a:buNone/>
+              <a:defRPr sz="1600" kern="1200">
+                <a:solidFill>
+                  <a:schemeClr val="tx1"/>
+                </a:solidFill>
+                <a:latin typeface="+mn-lt"/>
+                <a:ea typeface="+mn-ea"/>
+                <a:cs typeface="+mn-cs"/>
+              </a:defRPr>
+            </a:lvl9pPr>
+          </a:lstStyle>
+          <a:p>
+            <a:pPr>
+              <a:buFont typeface="Arial" panose="020B0604020202020204" pitchFamily="34" charset="0"/>
+            </a:pPr>
+            <a:r>
+              <a:rPr lang="es-AR" sz="4800"/>
+              <a:t>2</a:t>
+            </a:r>
+            <a:r>
+              <a:rPr lang="es-AR" sz="4800" baseline="50000">
+                <a:solidFill>
+                  <a:schemeClr val="tx1"/>
+                </a:solidFill>
+                <a:uFillTx/>
+              </a:rPr>
+              <a:t>8</a:t>
+            </a:r>
+            <a:r>
+              <a:rPr lang="es-AR" sz="4800" baseline="30000">
+                <a:solidFill>
+                  <a:schemeClr val="tx1"/>
+                </a:solidFill>
+                <a:uFillTx/>
+              </a:rPr>
+              <a:t> </a:t>
+            </a:r>
+            <a:r>
+              <a:rPr lang="es-AR" sz="4800">
+                <a:solidFill>
+                  <a:schemeClr val="tx1"/>
+                </a:solidFill>
+                <a:uFillTx/>
+              </a:rPr>
+              <a:t>= 256</a:t>
+            </a:r>
+            <a:endParaRPr lang="es-AR" sz="4800">
+              <a:solidFill>
+                <a:schemeClr val="tx1"/>
+              </a:solidFill>
+              <a:uFillTx/>
+            </a:endParaRPr>
+          </a:p>
+        </p:txBody>
+      </p:sp>
+      <p:sp>
+        <p:nvSpPr>
+          <p:cNvPr id="8" name="Subtitle 4"/>
+          <p:cNvSpPr>
+            <a:spLocks noGrp="1"/>
+          </p:cNvSpPr>
+          <p:nvPr/>
+        </p:nvSpPr>
+        <p:spPr>
+          <a:xfrm>
+            <a:off x="4209415" y="5193665"/>
+            <a:ext cx="7760970" cy="846455"/>
+          </a:xfrm>
+          <a:prstGeom prst="rect">
+            <a:avLst/>
+          </a:prstGeom>
+        </p:spPr>
+        <p:txBody>
+          <a:bodyPr vert="horz" lIns="91440" tIns="45720" rIns="91440" bIns="45720" rtlCol="0">
+            <a:noAutofit/>
+          </a:bodyPr>
+          <a:lstStyle>
+            <a:lvl1pPr marL="0" indent="0" algn="ctr" defTabSz="914400" rtl="0" eaLnBrk="1" latinLnBrk="0" hangingPunct="1">
+              <a:lnSpc>
+                <a:spcPct val="90000"/>
+              </a:lnSpc>
+              <a:spcBef>
+                <a:spcPts val="1000"/>
+              </a:spcBef>
+              <a:buFont typeface="Arial" panose="020B0604020202020204" pitchFamily="34" charset="0"/>
+              <a:buNone/>
+              <a:defRPr sz="2400" kern="1200">
+                <a:solidFill>
+                  <a:schemeClr val="tx1"/>
+                </a:solidFill>
+                <a:latin typeface="+mn-lt"/>
+                <a:ea typeface="+mn-ea"/>
+                <a:cs typeface="+mn-cs"/>
+              </a:defRPr>
+            </a:lvl1pPr>
+            <a:lvl2pPr marL="457200" indent="0" algn="ctr" defTabSz="914400" rtl="0" eaLnBrk="1" latinLnBrk="0" hangingPunct="1">
+              <a:lnSpc>
+                <a:spcPct val="90000"/>
+              </a:lnSpc>
+              <a:spcBef>
+                <a:spcPts val="500"/>
+              </a:spcBef>
+              <a:buFont typeface="Arial" panose="020B0604020202020204" pitchFamily="34" charset="0"/>
+              <a:buNone/>
+              <a:defRPr sz="2000" kern="1200">
+                <a:solidFill>
+                  <a:schemeClr val="tx1"/>
+                </a:solidFill>
+                <a:latin typeface="+mn-lt"/>
+                <a:ea typeface="+mn-ea"/>
+                <a:cs typeface="+mn-cs"/>
+              </a:defRPr>
+            </a:lvl2pPr>
+            <a:lvl3pPr marL="914400" indent="0" algn="ctr" defTabSz="914400" rtl="0" eaLnBrk="1" latinLnBrk="0" hangingPunct="1">
+              <a:lnSpc>
+                <a:spcPct val="90000"/>
+              </a:lnSpc>
+              <a:spcBef>
+                <a:spcPts val="500"/>
+              </a:spcBef>
+              <a:buFont typeface="Arial" panose="020B0604020202020204" pitchFamily="34" charset="0"/>
+              <a:buNone/>
+              <a:defRPr sz="1800" kern="1200">
+                <a:solidFill>
+                  <a:schemeClr val="tx1"/>
+                </a:solidFill>
+                <a:latin typeface="+mn-lt"/>
+                <a:ea typeface="+mn-ea"/>
+                <a:cs typeface="+mn-cs"/>
+              </a:defRPr>
+            </a:lvl3pPr>
+            <a:lvl4pPr marL="1371600" indent="0" algn="ctr" defTabSz="914400" rtl="0" eaLnBrk="1" latinLnBrk="0" hangingPunct="1">
+              <a:lnSpc>
+                <a:spcPct val="90000"/>
+              </a:lnSpc>
+              <a:spcBef>
+                <a:spcPts val="500"/>
+              </a:spcBef>
+              <a:buFont typeface="Arial" panose="020B0604020202020204" pitchFamily="34" charset="0"/>
+              <a:buNone/>
+              <a:defRPr sz="1600" kern="1200">
+                <a:solidFill>
+                  <a:schemeClr val="tx1"/>
+                </a:solidFill>
+                <a:latin typeface="+mn-lt"/>
+                <a:ea typeface="+mn-ea"/>
+                <a:cs typeface="+mn-cs"/>
+              </a:defRPr>
+            </a:lvl4pPr>
+            <a:lvl5pPr marL="1828800" indent="0" algn="ctr" defTabSz="914400" rtl="0" eaLnBrk="1" latinLnBrk="0" hangingPunct="1">
+              <a:lnSpc>
+                <a:spcPct val="90000"/>
+              </a:lnSpc>
+              <a:spcBef>
+                <a:spcPts val="500"/>
+              </a:spcBef>
+              <a:buFont typeface="Arial" panose="020B0604020202020204" pitchFamily="34" charset="0"/>
+              <a:buNone/>
+              <a:defRPr sz="1600" kern="1200">
+                <a:solidFill>
+                  <a:schemeClr val="tx1"/>
+                </a:solidFill>
+                <a:latin typeface="+mn-lt"/>
+                <a:ea typeface="+mn-ea"/>
+                <a:cs typeface="+mn-cs"/>
+              </a:defRPr>
+            </a:lvl5pPr>
+            <a:lvl6pPr marL="2286000" indent="0" algn="ctr" defTabSz="914400" rtl="0" eaLnBrk="1" latinLnBrk="0" hangingPunct="1">
+              <a:lnSpc>
+                <a:spcPct val="90000"/>
+              </a:lnSpc>
+              <a:spcBef>
+                <a:spcPts val="500"/>
+              </a:spcBef>
+              <a:buFont typeface="Arial" panose="020B0604020202020204" pitchFamily="34" charset="0"/>
+              <a:buNone/>
+              <a:defRPr sz="1600" kern="1200">
+                <a:solidFill>
+                  <a:schemeClr val="tx1"/>
+                </a:solidFill>
+                <a:latin typeface="+mn-lt"/>
+                <a:ea typeface="+mn-ea"/>
+                <a:cs typeface="+mn-cs"/>
+              </a:defRPr>
+            </a:lvl6pPr>
+            <a:lvl7pPr marL="2743200" indent="0" algn="ctr" defTabSz="914400" rtl="0" eaLnBrk="1" latinLnBrk="0" hangingPunct="1">
+              <a:lnSpc>
+                <a:spcPct val="90000"/>
+              </a:lnSpc>
+              <a:spcBef>
+                <a:spcPts val="500"/>
+              </a:spcBef>
+              <a:buFont typeface="Arial" panose="020B0604020202020204" pitchFamily="34" charset="0"/>
+              <a:buNone/>
+              <a:defRPr sz="1600" kern="1200">
+                <a:solidFill>
+                  <a:schemeClr val="tx1"/>
+                </a:solidFill>
+                <a:latin typeface="+mn-lt"/>
+                <a:ea typeface="+mn-ea"/>
+                <a:cs typeface="+mn-cs"/>
+              </a:defRPr>
+            </a:lvl7pPr>
+            <a:lvl8pPr marL="3200400" indent="0" algn="ctr" defTabSz="914400" rtl="0" eaLnBrk="1" latinLnBrk="0" hangingPunct="1">
+              <a:lnSpc>
+                <a:spcPct val="90000"/>
+              </a:lnSpc>
+              <a:spcBef>
+                <a:spcPts val="500"/>
+              </a:spcBef>
+              <a:buFont typeface="Arial" panose="020B0604020202020204" pitchFamily="34" charset="0"/>
+              <a:buNone/>
+              <a:defRPr sz="1600" kern="1200">
+                <a:solidFill>
+                  <a:schemeClr val="tx1"/>
+                </a:solidFill>
+                <a:latin typeface="+mn-lt"/>
+                <a:ea typeface="+mn-ea"/>
+                <a:cs typeface="+mn-cs"/>
+              </a:defRPr>
+            </a:lvl8pPr>
+            <a:lvl9pPr marL="3657600" indent="0" algn="ctr" defTabSz="914400" rtl="0" eaLnBrk="1" latinLnBrk="0" hangingPunct="1">
+              <a:lnSpc>
+                <a:spcPct val="90000"/>
+              </a:lnSpc>
+              <a:spcBef>
+                <a:spcPts val="500"/>
+              </a:spcBef>
+              <a:buFont typeface="Arial" panose="020B0604020202020204" pitchFamily="34" charset="0"/>
+              <a:buNone/>
+              <a:defRPr sz="1600" kern="1200">
+                <a:solidFill>
+                  <a:schemeClr val="tx1"/>
+                </a:solidFill>
+                <a:latin typeface="+mn-lt"/>
+                <a:ea typeface="+mn-ea"/>
+                <a:cs typeface="+mn-cs"/>
+              </a:defRPr>
+            </a:lvl9pPr>
+          </a:lstStyle>
+          <a:p>
+            <a:pPr>
+              <a:buFont typeface="Arial" panose="020B0604020202020204" pitchFamily="34" charset="0"/>
+            </a:pPr>
+            <a:r>
+              <a:rPr lang="es-AR" sz="4800"/>
+              <a:t>2</a:t>
+            </a:r>
+            <a:r>
+              <a:rPr lang="es-AR" sz="4800" baseline="50000">
+                <a:solidFill>
+                  <a:schemeClr val="tx1"/>
+                </a:solidFill>
+                <a:uFillTx/>
+              </a:rPr>
+              <a:t>64</a:t>
+            </a:r>
+            <a:r>
+              <a:rPr lang="es-AR" sz="4800" baseline="30000">
+                <a:solidFill>
+                  <a:schemeClr val="tx1"/>
+                </a:solidFill>
+                <a:uFillTx/>
+              </a:rPr>
+              <a:t> </a:t>
+            </a:r>
+            <a:r>
+              <a:rPr lang="es-AR" sz="4800">
+                <a:solidFill>
+                  <a:schemeClr val="tx1"/>
+                </a:solidFill>
+                <a:uFillTx/>
+              </a:rPr>
+              <a:t>= 18.446.744.073.709.551.616</a:t>
+            </a:r>
+            <a:endParaRPr lang="es-AR" sz="4800">
+              <a:solidFill>
+                <a:schemeClr val="tx1"/>
+              </a:solidFill>
+              <a:uFillTx/>
+            </a:endParaRPr>
+          </a:p>
+        </p:txBody>
+      </p:sp>
     </p:spTree>
   </p:cSld>
   <p:clrMapOvr>
@@ -4505,6 +5294,115 @@
           </a:p>
         </p:txBody>
       </p:sp>
+      <p:cxnSp>
+        <p:nvCxnSpPr>
+          <p:cNvPr id="4" name="Straight Connector 3"/>
+          <p:cNvCxnSpPr/>
+          <p:nvPr/>
+        </p:nvCxnSpPr>
+        <p:spPr>
+          <a:xfrm>
+            <a:off x="774065" y="1526540"/>
+            <a:ext cx="10835640" cy="0"/>
+          </a:xfrm>
+          <a:prstGeom prst="line">
+            <a:avLst/>
+          </a:prstGeom>
+        </p:spPr>
+        <p:style>
+          <a:lnRef idx="1">
+            <a:schemeClr val="accent1"/>
+          </a:lnRef>
+          <a:fillRef idx="0">
+            <a:schemeClr val="accent1"/>
+          </a:fillRef>
+          <a:effectRef idx="0">
+            <a:schemeClr val="accent1"/>
+          </a:effectRef>
+          <a:fontRef idx="minor">
+            <a:schemeClr val="tx1"/>
+          </a:fontRef>
+        </p:style>
+      </p:cxnSp>
+      <p:pic>
+        <p:nvPicPr>
+          <p:cNvPr id="100" name="Picture 99"/>
+          <p:cNvPicPr/>
+          <p:nvPr/>
+        </p:nvPicPr>
+        <p:blipFill>
+          <a:blip r:embed="rId1"/>
+          <a:stretch>
+            <a:fillRect/>
+          </a:stretch>
+        </p:blipFill>
+        <p:spPr>
+          <a:xfrm>
+            <a:off x="3489960" y="1983740"/>
+            <a:ext cx="4750435" cy="4326890"/>
+          </a:xfrm>
+          <a:prstGeom prst="rect">
+            <a:avLst/>
+          </a:prstGeom>
+          <a:noFill/>
+          <a:ln w="9525">
+            <a:noFill/>
+          </a:ln>
+        </p:spPr>
+      </p:pic>
+    </p:spTree>
+  </p:cSld>
+  <p:clrMapOvr>
+    <a:masterClrMapping/>
+  </p:clrMapOvr>
+</p:sld>
+</file>
+
+<file path=ppt/slides/slide12.xml><?xml version="1.0" encoding="utf-8"?>
+<p:sld xmlns:a="http://schemas.openxmlformats.org/drawingml/2006/main" xmlns:r="http://schemas.openxmlformats.org/officeDocument/2006/relationships" xmlns:p="http://schemas.openxmlformats.org/presentationml/2006/main">
+  <p:cSld>
+    <p:spTree>
+      <p:nvGrpSpPr>
+        <p:cNvPr id="1" name=""/>
+        <p:cNvGrpSpPr/>
+        <p:nvPr/>
+      </p:nvGrpSpPr>
+      <p:grpSpPr>
+        <a:xfrm>
+          <a:off x="0" y="0"/>
+          <a:ext cx="0" cy="0"/>
+          <a:chOff x="0" y="0"/>
+          <a:chExt cx="0" cy="0"/>
+        </a:xfrm>
+      </p:grpSpPr>
+      <p:sp>
+        <p:nvSpPr>
+          <p:cNvPr id="2" name="Title 1"/>
+          <p:cNvSpPr>
+            <a:spLocks noGrp="1"/>
+          </p:cNvSpPr>
+          <p:nvPr>
+            <p:ph type="ctrTitle"/>
+          </p:nvPr>
+        </p:nvSpPr>
+        <p:spPr>
+          <a:xfrm>
+            <a:off x="1434465" y="213360"/>
+            <a:ext cx="9144000" cy="1225550"/>
+          </a:xfrm>
+        </p:spPr>
+        <p:txBody>
+          <a:bodyPr/>
+          <a:lstStyle/>
+          <a:p>
+            <a:r>
+              <a:rPr lang="es-AR" altLang="en-US" sz="6400" b="1" dirty="0"/>
+              <a:t>Analógico y Digital</a:t>
+            </a:r>
+            <a:endParaRPr lang="es-AR" altLang="en-US" sz="6400" b="1" dirty="0"/>
+          </a:p>
+        </p:txBody>
+      </p:sp>
       <p:sp>
         <p:nvSpPr>
           <p:cNvPr id="3" name="Subtitle 2"/>
@@ -4629,7 +5527,7 @@
 </p:sld>
 </file>
 
-<file path=ppt/slides/slide12.xml><?xml version="1.0" encoding="utf-8"?>
+<file path=ppt/slides/slide13.xml><?xml version="1.0" encoding="utf-8"?>
 <p:sld xmlns:a="http://schemas.openxmlformats.org/drawingml/2006/main" xmlns:r="http://schemas.openxmlformats.org/officeDocument/2006/relationships" xmlns:p="http://schemas.openxmlformats.org/presentationml/2006/main">
   <p:cSld>
     <p:spTree>
@@ -4738,7 +5636,7 @@
 </p:sld>
 </file>
 
-<file path=ppt/slides/slide13.xml><?xml version="1.0" encoding="utf-8"?>
+<file path=ppt/slides/slide14.xml><?xml version="1.0" encoding="utf-8"?>
 <p:sld xmlns:a="http://schemas.openxmlformats.org/drawingml/2006/main" xmlns:r="http://schemas.openxmlformats.org/officeDocument/2006/relationships" xmlns:p="http://schemas.openxmlformats.org/presentationml/2006/main">
   <p:cSld>
     <p:spTree>
@@ -4847,134 +5745,6 @@
 </p:sld>
 </file>
 
-<file path=ppt/slides/slide14.xml><?xml version="1.0" encoding="utf-8"?>
-<p:sld xmlns:a="http://schemas.openxmlformats.org/drawingml/2006/main" xmlns:r="http://schemas.openxmlformats.org/officeDocument/2006/relationships" xmlns:p="http://schemas.openxmlformats.org/presentationml/2006/main">
-  <p:cSld>
-    <p:spTree>
-      <p:nvGrpSpPr>
-        <p:cNvPr id="1" name=""/>
-        <p:cNvGrpSpPr/>
-        <p:nvPr/>
-      </p:nvGrpSpPr>
-      <p:grpSpPr>
-        <a:xfrm>
-          <a:off x="0" y="0"/>
-          <a:ext cx="0" cy="0"/>
-          <a:chOff x="0" y="0"/>
-          <a:chExt cx="0" cy="0"/>
-        </a:xfrm>
-      </p:grpSpPr>
-      <p:sp>
-        <p:nvSpPr>
-          <p:cNvPr id="2" name="Title 1"/>
-          <p:cNvSpPr>
-            <a:spLocks noGrp="1"/>
-          </p:cNvSpPr>
-          <p:nvPr>
-            <p:ph type="ctrTitle"/>
-          </p:nvPr>
-        </p:nvSpPr>
-        <p:spPr>
-          <a:xfrm>
-            <a:off x="1434465" y="213360"/>
-            <a:ext cx="9144000" cy="1225550"/>
-          </a:xfrm>
-        </p:spPr>
-        <p:txBody>
-          <a:bodyPr/>
-          <a:lstStyle/>
-          <a:p>
-            <a:r>
-              <a:rPr lang="es-AR" altLang="en-US" sz="6400" b="1" dirty="0"/>
-              <a:t>Abstracción</a:t>
-            </a:r>
-            <a:endParaRPr lang="es-AR" altLang="en-US" sz="6400" b="1" dirty="0"/>
-          </a:p>
-        </p:txBody>
-      </p:sp>
-      <p:sp>
-        <p:nvSpPr>
-          <p:cNvPr id="3" name="Subtitle 2"/>
-          <p:cNvSpPr>
-            <a:spLocks noGrp="1"/>
-          </p:cNvSpPr>
-          <p:nvPr>
-            <p:ph type="subTitle" idx="1"/>
-          </p:nvPr>
-        </p:nvSpPr>
-        <p:spPr>
-          <a:xfrm>
-            <a:off x="0" y="2176780"/>
-            <a:ext cx="12094210" cy="2919095"/>
-          </a:xfrm>
-        </p:spPr>
-        <p:txBody>
-          <a:bodyPr>
-            <a:noAutofit/>
-          </a:bodyPr>
-          <a:lstStyle/>
-          <a:p>
-            <a:pPr marL="342900" indent="-342900">
-              <a:buFont typeface="Arial" panose="020B0604020202020204" pitchFamily="34" charset="0"/>
-              <a:buChar char="•"/>
-            </a:pPr>
-            <a:r>
-              <a:rPr lang="es-AR" sz="4800"/>
-              <a:t>Se utiliza un nivel de abstracción para representar algo digitalmente</a:t>
-            </a:r>
-            <a:endParaRPr lang="es-AR" sz="4800"/>
-          </a:p>
-          <a:p>
-            <a:pPr marL="342900" indent="-342900">
-              <a:buFont typeface="Arial" panose="020B0604020202020204" pitchFamily="34" charset="0"/>
-              <a:buChar char="•"/>
-            </a:pPr>
-            <a:r>
-              <a:rPr lang="es-AR" sz="4800"/>
-              <a:t>Creamos modelos digitales basados en la realidad analógica</a:t>
-            </a:r>
-            <a:endParaRPr lang="es-AR" sz="4800"/>
-          </a:p>
-        </p:txBody>
-      </p:sp>
-      <p:cxnSp>
-        <p:nvCxnSpPr>
-          <p:cNvPr id="4" name="Straight Connector 3"/>
-          <p:cNvCxnSpPr/>
-          <p:nvPr/>
-        </p:nvCxnSpPr>
-        <p:spPr>
-          <a:xfrm>
-            <a:off x="774065" y="1526540"/>
-            <a:ext cx="10835640" cy="0"/>
-          </a:xfrm>
-          <a:prstGeom prst="line">
-            <a:avLst/>
-          </a:prstGeom>
-        </p:spPr>
-        <p:style>
-          <a:lnRef idx="1">
-            <a:schemeClr val="accent1"/>
-          </a:lnRef>
-          <a:fillRef idx="0">
-            <a:schemeClr val="accent1"/>
-          </a:fillRef>
-          <a:effectRef idx="0">
-            <a:schemeClr val="accent1"/>
-          </a:effectRef>
-          <a:fontRef idx="minor">
-            <a:schemeClr val="tx1"/>
-          </a:fontRef>
-        </p:style>
-      </p:cxnSp>
-    </p:spTree>
-  </p:cSld>
-  <p:clrMapOvr>
-    <a:masterClrMapping/>
-  </p:clrMapOvr>
-</p:sld>
-</file>
-
 <file path=ppt/slides/slide15.xml><?xml version="1.0" encoding="utf-8"?>
 <p:sld xmlns:a="http://schemas.openxmlformats.org/drawingml/2006/main" xmlns:r="http://schemas.openxmlformats.org/officeDocument/2006/relationships" xmlns:p="http://schemas.openxmlformats.org/presentationml/2006/main">
   <p:cSld>
@@ -5048,7 +5818,7 @@
             </a:pPr>
             <a:r>
               <a:rPr lang="es-AR" sz="4800"/>
-              <a:t>Física estándar</a:t>
+              <a:t>Se utiliza un nivel de abstracción para representar algo digitalmente</a:t>
             </a:r>
             <a:endParaRPr lang="es-AR" sz="4800"/>
           </a:p>
@@ -5059,7 +5829,7 @@
             </a:pPr>
             <a:r>
               <a:rPr lang="es-AR" sz="4800"/>
-              <a:t>Física cuántica</a:t>
+              <a:t>Creamos modelos digitales basados en la realidad analógica</a:t>
             </a:r>
             <a:endParaRPr lang="es-AR" sz="4800"/>
           </a:p>
@@ -5142,7 +5912,7 @@
           <a:p>
             <a:r>
               <a:rPr lang="es-AR" altLang="en-US" sz="6400" b="1" dirty="0"/>
-              <a:t>Diseño</a:t>
+              <a:t>Abstracción</a:t>
             </a:r>
             <a:endParaRPr lang="es-AR" altLang="en-US" sz="6400" b="1" dirty="0"/>
           </a:p>
@@ -5161,7 +5931,7 @@
         <p:spPr>
           <a:xfrm>
             <a:off x="0" y="2176780"/>
-            <a:ext cx="12094210" cy="3910965"/>
+            <a:ext cx="12094210" cy="2919095"/>
           </a:xfrm>
         </p:spPr>
         <p:txBody>
@@ -5176,7 +5946,7 @@
             </a:pPr>
             <a:r>
               <a:rPr lang="es-AR" sz="4800"/>
-              <a:t>Sintonía fina de constantes universales</a:t>
+              <a:t>Física estándar</a:t>
             </a:r>
             <a:endParaRPr lang="es-AR" sz="4800"/>
           </a:p>
@@ -5187,29 +5957,7 @@
             </a:pPr>
             <a:r>
               <a:rPr lang="es-AR" sz="4800"/>
-              <a:t>Vibración de las partículas cuánticas</a:t>
-            </a:r>
-            <a:endParaRPr lang="es-AR" sz="4800"/>
-          </a:p>
-          <a:p>
-            <a:pPr marL="342900" indent="-342900">
-              <a:buFont typeface="Arial" panose="020B0604020202020204" pitchFamily="34" charset="0"/>
-              <a:buChar char="•"/>
-            </a:pPr>
-            <a:r>
-              <a:rPr lang="es-AR" sz="4800"/>
-              <a:t>Existencia del tiempo, espacio y materia</a:t>
-            </a:r>
-            <a:endParaRPr lang="es-AR" sz="4800"/>
-          </a:p>
-          <a:p>
-            <a:pPr marL="342900" indent="-342900">
-              <a:buFont typeface="Arial" panose="020B0604020202020204" pitchFamily="34" charset="0"/>
-              <a:buChar char="•"/>
-            </a:pPr>
-            <a:r>
-              <a:rPr lang="es-AR" sz="4800"/>
-              <a:t>Diseñador</a:t>
+              <a:t>Física cuántica</a:t>
             </a:r>
             <a:endParaRPr lang="es-AR" sz="4800"/>
           </a:p>
@@ -5292,9 +6040,76 @@
           <a:p>
             <a:r>
               <a:rPr lang="es-AR" altLang="en-US" sz="6400" b="1" dirty="0"/>
-              <a:t>Diseño y Abstracción</a:t>
+              <a:t>Diseño</a:t>
             </a:r>
             <a:endParaRPr lang="es-AR" altLang="en-US" sz="6400" b="1" dirty="0"/>
+          </a:p>
+        </p:txBody>
+      </p:sp>
+      <p:sp>
+        <p:nvSpPr>
+          <p:cNvPr id="3" name="Subtitle 2"/>
+          <p:cNvSpPr>
+            <a:spLocks noGrp="1"/>
+          </p:cNvSpPr>
+          <p:nvPr>
+            <p:ph type="subTitle" idx="1"/>
+          </p:nvPr>
+        </p:nvSpPr>
+        <p:spPr>
+          <a:xfrm>
+            <a:off x="0" y="2176780"/>
+            <a:ext cx="12094210" cy="3910965"/>
+          </a:xfrm>
+        </p:spPr>
+        <p:txBody>
+          <a:bodyPr>
+            <a:noAutofit/>
+          </a:bodyPr>
+          <a:lstStyle/>
+          <a:p>
+            <a:pPr marL="342900" indent="-342900">
+              <a:buFont typeface="Arial" panose="020B0604020202020204" pitchFamily="34" charset="0"/>
+              <a:buChar char="•"/>
+            </a:pPr>
+            <a:r>
+              <a:rPr lang="es-AR" sz="4800"/>
+              <a:t>Sintonía fina de constantes universales</a:t>
+            </a:r>
+            <a:endParaRPr lang="es-AR" sz="4800"/>
+          </a:p>
+          <a:p>
+            <a:pPr marL="342900" indent="-342900">
+              <a:buFont typeface="Arial" panose="020B0604020202020204" pitchFamily="34" charset="0"/>
+              <a:buChar char="•"/>
+            </a:pPr>
+            <a:r>
+              <a:rPr lang="es-AR" sz="4800"/>
+              <a:t>Vibración de las partículas cuánticas</a:t>
+            </a:r>
+            <a:endParaRPr lang="es-AR" sz="4800"/>
+          </a:p>
+          <a:p>
+            <a:pPr marL="342900" indent="-342900">
+              <a:buFont typeface="Arial" panose="020B0604020202020204" pitchFamily="34" charset="0"/>
+              <a:buChar char="•"/>
+            </a:pPr>
+            <a:r>
+              <a:rPr lang="es-AR" sz="4800"/>
+              <a:t>Existencia del tiempo, espacio y materia</a:t>
+            </a:r>
+            <a:endParaRPr lang="es-AR" sz="4800"/>
+          </a:p>
+          <a:p>
+            <a:pPr marL="342900" indent="-342900">
+              <a:buFont typeface="Arial" panose="020B0604020202020204" pitchFamily="34" charset="0"/>
+              <a:buChar char="•"/>
+            </a:pPr>
+            <a:r>
+              <a:rPr lang="es-AR" sz="4800"/>
+              <a:t>Diseñador</a:t>
+            </a:r>
+            <a:endParaRPr lang="es-AR" sz="4800"/>
           </a:p>
         </p:txBody>
       </p:sp>
@@ -5328,32 +6143,89 @@
           </a:fontRef>
         </p:style>
       </p:cxnSp>
-      <p:pic>
-        <p:nvPicPr>
-          <p:cNvPr id="106" name="Picture 105"/>
-          <p:cNvPicPr/>
+    </p:spTree>
+  </p:cSld>
+  <p:clrMapOvr>
+    <a:masterClrMapping/>
+  </p:clrMapOvr>
+</p:sld>
+</file>
+
+<file path=ppt/slides/slide18.xml><?xml version="1.0" encoding="utf-8"?>
+<p:sld xmlns:a="http://schemas.openxmlformats.org/drawingml/2006/main" xmlns:r="http://schemas.openxmlformats.org/officeDocument/2006/relationships" xmlns:p="http://schemas.openxmlformats.org/presentationml/2006/main">
+  <p:cSld>
+    <p:spTree>
+      <p:nvGrpSpPr>
+        <p:cNvPr id="1" name=""/>
+        <p:cNvGrpSpPr/>
+        <p:nvPr/>
+      </p:nvGrpSpPr>
+      <p:grpSpPr>
+        <a:xfrm>
+          <a:off x="0" y="0"/>
+          <a:ext cx="0" cy="0"/>
+          <a:chOff x="0" y="0"/>
+          <a:chExt cx="0" cy="0"/>
+        </a:xfrm>
+      </p:grpSpPr>
+      <p:sp>
+        <p:nvSpPr>
+          <p:cNvPr id="2" name="Title 1"/>
+          <p:cNvSpPr>
+            <a:spLocks noGrp="1"/>
+          </p:cNvSpPr>
+          <p:nvPr>
+            <p:ph type="ctrTitle"/>
+          </p:nvPr>
+        </p:nvSpPr>
+        <p:spPr>
+          <a:xfrm>
+            <a:off x="1619885" y="186055"/>
+            <a:ext cx="9144000" cy="1225550"/>
+          </a:xfrm>
+        </p:spPr>
+        <p:txBody>
+          <a:bodyPr/>
+          <a:lstStyle/>
+          <a:p>
+            <a:r>
+              <a:rPr lang="es-AR" altLang="en-US" sz="6400" b="1" dirty="0"/>
+              <a:t>Diseño y Abstracción</a:t>
+            </a:r>
+            <a:endParaRPr lang="es-AR" altLang="en-US" sz="6400" b="1" dirty="0"/>
+          </a:p>
+        </p:txBody>
+      </p:sp>
+      <p:cxnSp>
+        <p:nvCxnSpPr>
+          <p:cNvPr id="4" name="Straight Connector 3"/>
+          <p:cNvCxnSpPr/>
           <p:nvPr/>
-        </p:nvPicPr>
-        <p:blipFill>
-          <a:blip r:embed="rId1"/>
-          <a:stretch>
-            <a:fillRect/>
-          </a:stretch>
-        </p:blipFill>
-        <p:spPr>
-          <a:xfrm>
-            <a:off x="6248400" y="2226310"/>
-            <a:ext cx="5037455" cy="3841750"/>
-          </a:xfrm>
-          <a:prstGeom prst="rect">
+        </p:nvCxnSpPr>
+        <p:spPr>
+          <a:xfrm>
+            <a:off x="774065" y="1526540"/>
+            <a:ext cx="10835640" cy="0"/>
+          </a:xfrm>
+          <a:prstGeom prst="line">
             <a:avLst/>
           </a:prstGeom>
-          <a:noFill/>
-          <a:ln w="9525">
-            <a:noFill/>
-          </a:ln>
-        </p:spPr>
-      </p:pic>
+        </p:spPr>
+        <p:style>
+          <a:lnRef idx="1">
+            <a:schemeClr val="accent1"/>
+          </a:lnRef>
+          <a:fillRef idx="0">
+            <a:schemeClr val="accent1"/>
+          </a:fillRef>
+          <a:effectRef idx="0">
+            <a:schemeClr val="accent1"/>
+          </a:effectRef>
+          <a:fontRef idx="minor">
+            <a:schemeClr val="tx1"/>
+          </a:fontRef>
+        </p:style>
+      </p:cxnSp>
       <p:sp>
         <p:nvSpPr>
           <p:cNvPr id="6" name="Text Box 5"/>
@@ -5572,30 +6444,21 @@
       </p:cxnSp>
       <p:pic>
         <p:nvPicPr>
-          <p:cNvPr id="100" name="Picture 99"/>
+          <p:cNvPr id="5" name="Picture 4"/>
           <p:cNvPicPr/>
           <p:nvPr/>
         </p:nvPicPr>
         <p:blipFill>
-          <a:blip r:embed="rId2">
-            <a:lum bright="-30000" contrast="-24000"/>
-          </a:blip>
-          <a:stretch>
-            <a:fillRect/>
-          </a:stretch>
+          <a:blip r:embed="rId1"/>
         </p:blipFill>
         <p:spPr>
           <a:xfrm>
-            <a:off x="774700" y="2226310"/>
-            <a:ext cx="5327650" cy="3841750"/>
+            <a:off x="774065" y="1833880"/>
+            <a:ext cx="10725785" cy="4244975"/>
           </a:xfrm>
           <a:prstGeom prst="rect">
             <a:avLst/>
           </a:prstGeom>
-          <a:noFill/>
-          <a:ln w="9525">
-            <a:noFill/>
-          </a:ln>
         </p:spPr>
       </p:pic>
     </p:spTree>
@@ -5606,7 +6469,7 @@
 </p:sld>
 </file>
 
-<file path=ppt/slides/slide18.xml><?xml version="1.0" encoding="utf-8"?>
+<file path=ppt/slides/slide19.xml><?xml version="1.0" encoding="utf-8"?>
 <p:sld xmlns:a="http://schemas.openxmlformats.org/drawingml/2006/main" xmlns:r="http://schemas.openxmlformats.org/officeDocument/2006/relationships" xmlns:p="http://schemas.openxmlformats.org/presentationml/2006/main">
   <p:cSld>
     <p:spTree>
@@ -5707,133 +6570,6 @@
           </a:ln>
         </p:spPr>
       </p:pic>
-    </p:spTree>
-  </p:cSld>
-  <p:clrMapOvr>
-    <a:masterClrMapping/>
-  </p:clrMapOvr>
-</p:sld>
-</file>
-
-<file path=ppt/slides/slide19.xml><?xml version="1.0" encoding="utf-8"?>
-<p:sld xmlns:a="http://schemas.openxmlformats.org/drawingml/2006/main" xmlns:r="http://schemas.openxmlformats.org/officeDocument/2006/relationships" xmlns:p="http://schemas.openxmlformats.org/presentationml/2006/main">
-  <p:cSld>
-    <p:spTree>
-      <p:nvGrpSpPr>
-        <p:cNvPr id="1" name=""/>
-        <p:cNvGrpSpPr/>
-        <p:nvPr/>
-      </p:nvGrpSpPr>
-      <p:grpSpPr>
-        <a:xfrm>
-          <a:off x="0" y="0"/>
-          <a:ext cx="0" cy="0"/>
-          <a:chOff x="0" y="0"/>
-          <a:chExt cx="0" cy="0"/>
-        </a:xfrm>
-      </p:grpSpPr>
-      <p:sp>
-        <p:nvSpPr>
-          <p:cNvPr id="2" name="Title 1"/>
-          <p:cNvSpPr>
-            <a:spLocks noGrp="1"/>
-          </p:cNvSpPr>
-          <p:nvPr>
-            <p:ph type="ctrTitle"/>
-          </p:nvPr>
-        </p:nvSpPr>
-        <p:spPr>
-          <a:xfrm>
-            <a:off x="1434465" y="213360"/>
-            <a:ext cx="9144000" cy="1225550"/>
-          </a:xfrm>
-        </p:spPr>
-        <p:txBody>
-          <a:bodyPr/>
-          <a:lstStyle/>
-          <a:p>
-            <a:r>
-              <a:rPr lang="es-AR" altLang="en-US" sz="6400" b="1" dirty="0"/>
-              <a:t>Conclusiones</a:t>
-            </a:r>
-            <a:endParaRPr lang="es-AR" altLang="en-US" sz="6400" b="1" dirty="0"/>
-          </a:p>
-        </p:txBody>
-      </p:sp>
-      <p:sp>
-        <p:nvSpPr>
-          <p:cNvPr id="3" name="Subtitle 2"/>
-          <p:cNvSpPr>
-            <a:spLocks noGrp="1"/>
-          </p:cNvSpPr>
-          <p:nvPr>
-            <p:ph type="subTitle" idx="1"/>
-          </p:nvPr>
-        </p:nvSpPr>
-        <p:spPr>
-          <a:xfrm>
-            <a:off x="0" y="2176780"/>
-            <a:ext cx="12094210" cy="2919095"/>
-          </a:xfrm>
-        </p:spPr>
-        <p:txBody>
-          <a:bodyPr>
-            <a:noAutofit/>
-          </a:bodyPr>
-          <a:lstStyle/>
-          <a:p>
-            <a:pPr marL="342900" indent="-342900">
-              <a:buFont typeface="Arial" panose="020B0604020202020204" pitchFamily="34" charset="0"/>
-              <a:buChar char="•"/>
-            </a:pPr>
-            <a:r>
-              <a:rPr lang="es-AR" sz="4800"/>
-              <a:t>¿Porque importa como pensamos? </a:t>
-            </a:r>
-            <a:endParaRPr lang="es-AR" sz="4800"/>
-          </a:p>
-          <a:p>
-            <a:pPr>
-              <a:buFont typeface="Arial" panose="020B0604020202020204" pitchFamily="34" charset="0"/>
-            </a:pPr>
-            <a:r>
-              <a:rPr lang="es-AR" sz="4800"/>
-              <a:t>Cómo modelamos la realidad en un medio digital, es como lo pensamos en nuestra mente, en nuestro lenguaje, en nuestra abstracción. Esto define si entendemos o no lo que tenemos que hacer.</a:t>
-            </a:r>
-            <a:endParaRPr lang="es-AR" sz="4800"/>
-          </a:p>
-        </p:txBody>
-      </p:sp>
-      <p:cxnSp>
-        <p:nvCxnSpPr>
-          <p:cNvPr id="4" name="Straight Connector 3"/>
-          <p:cNvCxnSpPr/>
-          <p:nvPr/>
-        </p:nvCxnSpPr>
-        <p:spPr>
-          <a:xfrm>
-            <a:off x="774065" y="1526540"/>
-            <a:ext cx="10835640" cy="0"/>
-          </a:xfrm>
-          <a:prstGeom prst="line">
-            <a:avLst/>
-          </a:prstGeom>
-        </p:spPr>
-        <p:style>
-          <a:lnRef idx="1">
-            <a:schemeClr val="accent1"/>
-          </a:lnRef>
-          <a:fillRef idx="0">
-            <a:schemeClr val="accent1"/>
-          </a:fillRef>
-          <a:effectRef idx="0">
-            <a:schemeClr val="accent1"/>
-          </a:effectRef>
-          <a:fontRef idx="minor">
-            <a:schemeClr val="tx1"/>
-          </a:fontRef>
-        </p:style>
-      </p:cxnSp>
     </p:spTree>
   </p:cSld>
   <p:clrMapOvr>
@@ -6020,8 +6756,8 @@
         </p:nvSpPr>
         <p:spPr>
           <a:xfrm>
-            <a:off x="0" y="1935480"/>
-            <a:ext cx="12094210" cy="4789805"/>
+            <a:off x="0" y="2176780"/>
+            <a:ext cx="12094210" cy="2919095"/>
           </a:xfrm>
         </p:spPr>
         <p:txBody>
@@ -6036,7 +6772,17 @@
             </a:pPr>
             <a:r>
               <a:rPr lang="es-AR" sz="4800"/>
-              <a:t>¿Para qué lo hacemos? Un requerimiento, una implementación, un modelo y un programa sirven en tanto y en cuanto satisfagan una necesidad, en cuanto le sirva a quien lo necesita. Esto decide si sirve o no, si es verdadero o falso, necesario o prescindible, si lo hago o no lo hago.</a:t>
+              <a:t>¿Porque importa como pensamos? </a:t>
+            </a:r>
+            <a:endParaRPr lang="es-AR" sz="4800"/>
+          </a:p>
+          <a:p>
+            <a:pPr>
+              <a:buFont typeface="Arial" panose="020B0604020202020204" pitchFamily="34" charset="0"/>
+            </a:pPr>
+            <a:r>
+              <a:rPr lang="es-AR" sz="4800"/>
+              <a:t>Cómo modelamos la realidad en un medio digital, es como lo pensamos en nuestra mente, en nuestro lenguaje, en nuestra abstracción. Esto define si entendemos o no lo que tenemos que hacer.</a:t>
             </a:r>
             <a:endParaRPr lang="es-AR" sz="4800"/>
           </a:p>
@@ -6153,7 +6899,7 @@
             </a:pPr>
             <a:r>
               <a:rPr lang="es-AR" sz="4800"/>
-              <a:t>Lo mismo que se necesita aprender para ser un buen programador, es lo mismo que se necesita para ser una persona consciente de la lógica y la emoción, capaz de tomar buenas desiciones y tener buenos pensamientos que le permitan abrirse un camino. Por eso aprendemos lenguajes de programación.</a:t>
+              <a:t>¿Para qué lo hacemos? Un requerimiento, una implementación, un modelo y un programa sirven en tanto y en cuanto satisfagan una necesidad, en cuanto le sirva a quien lo necesita. Esto decide si sirve o no, si es verdadero o falso, necesario o prescindible, si lo hago o no lo hago.</a:t>
             </a:r>
             <a:endParaRPr lang="es-AR" sz="4800"/>
           </a:p>
@@ -6198,6 +6944,123 @@
 </file>
 
 <file path=ppt/slides/slide22.xml><?xml version="1.0" encoding="utf-8"?>
+<p:sld xmlns:a="http://schemas.openxmlformats.org/drawingml/2006/main" xmlns:r="http://schemas.openxmlformats.org/officeDocument/2006/relationships" xmlns:p="http://schemas.openxmlformats.org/presentationml/2006/main">
+  <p:cSld>
+    <p:spTree>
+      <p:nvGrpSpPr>
+        <p:cNvPr id="1" name=""/>
+        <p:cNvGrpSpPr/>
+        <p:nvPr/>
+      </p:nvGrpSpPr>
+      <p:grpSpPr>
+        <a:xfrm>
+          <a:off x="0" y="0"/>
+          <a:ext cx="0" cy="0"/>
+          <a:chOff x="0" y="0"/>
+          <a:chExt cx="0" cy="0"/>
+        </a:xfrm>
+      </p:grpSpPr>
+      <p:sp>
+        <p:nvSpPr>
+          <p:cNvPr id="2" name="Title 1"/>
+          <p:cNvSpPr>
+            <a:spLocks noGrp="1"/>
+          </p:cNvSpPr>
+          <p:nvPr>
+            <p:ph type="ctrTitle"/>
+          </p:nvPr>
+        </p:nvSpPr>
+        <p:spPr>
+          <a:xfrm>
+            <a:off x="1434465" y="213360"/>
+            <a:ext cx="9144000" cy="1225550"/>
+          </a:xfrm>
+        </p:spPr>
+        <p:txBody>
+          <a:bodyPr/>
+          <a:lstStyle/>
+          <a:p>
+            <a:r>
+              <a:rPr lang="es-AR" altLang="en-US" sz="6400" b="1" dirty="0"/>
+              <a:t>Conclusiones</a:t>
+            </a:r>
+            <a:endParaRPr lang="es-AR" altLang="en-US" sz="6400" b="1" dirty="0"/>
+          </a:p>
+        </p:txBody>
+      </p:sp>
+      <p:sp>
+        <p:nvSpPr>
+          <p:cNvPr id="3" name="Subtitle 2"/>
+          <p:cNvSpPr>
+            <a:spLocks noGrp="1"/>
+          </p:cNvSpPr>
+          <p:nvPr>
+            <p:ph type="subTitle" idx="1"/>
+          </p:nvPr>
+        </p:nvSpPr>
+        <p:spPr>
+          <a:xfrm>
+            <a:off x="0" y="1935480"/>
+            <a:ext cx="12094210" cy="4789805"/>
+          </a:xfrm>
+        </p:spPr>
+        <p:txBody>
+          <a:bodyPr>
+            <a:noAutofit/>
+          </a:bodyPr>
+          <a:lstStyle/>
+          <a:p>
+            <a:pPr marL="342900" indent="-342900">
+              <a:buFont typeface="Arial" panose="020B0604020202020204" pitchFamily="34" charset="0"/>
+              <a:buChar char="•"/>
+            </a:pPr>
+            <a:r>
+              <a:rPr lang="es-AR" sz="4800"/>
+              <a:t>Lo mismo que se necesita aprender para ser un buen programador, es lo mismo que se necesita para ser una persona consciente de la lógica y la emoción, capaz de tomar buenas desiciones y tener buenos pensamientos que le permitan abrirse un camino. Por eso aprendemos lenguajes de programación.</a:t>
+            </a:r>
+            <a:endParaRPr lang="es-AR" sz="4800"/>
+          </a:p>
+        </p:txBody>
+      </p:sp>
+      <p:cxnSp>
+        <p:nvCxnSpPr>
+          <p:cNvPr id="4" name="Straight Connector 3"/>
+          <p:cNvCxnSpPr/>
+          <p:nvPr/>
+        </p:nvCxnSpPr>
+        <p:spPr>
+          <a:xfrm>
+            <a:off x="774065" y="1526540"/>
+            <a:ext cx="10835640" cy="0"/>
+          </a:xfrm>
+          <a:prstGeom prst="line">
+            <a:avLst/>
+          </a:prstGeom>
+        </p:spPr>
+        <p:style>
+          <a:lnRef idx="1">
+            <a:schemeClr val="accent1"/>
+          </a:lnRef>
+          <a:fillRef idx="0">
+            <a:schemeClr val="accent1"/>
+          </a:fillRef>
+          <a:effectRef idx="0">
+            <a:schemeClr val="accent1"/>
+          </a:effectRef>
+          <a:fontRef idx="minor">
+            <a:schemeClr val="tx1"/>
+          </a:fontRef>
+        </p:style>
+      </p:cxnSp>
+    </p:spTree>
+  </p:cSld>
+  <p:clrMapOvr>
+    <a:masterClrMapping/>
+  </p:clrMapOvr>
+</p:sld>
+</file>
+
+<file path=ppt/slides/slide23.xml><?xml version="1.0" encoding="utf-8"?>
 <p:sld xmlns:a="http://schemas.openxmlformats.org/drawingml/2006/main" xmlns:r="http://schemas.openxmlformats.org/officeDocument/2006/relationships" xmlns:p="http://schemas.openxmlformats.org/presentationml/2006/main">
   <p:cSld>
     <p:spTree>
